--- a/compositional action recognition survey.pptx
+++ b/compositional action recognition survey.pptx
@@ -4904,7 +4904,7 @@
                   <a:schemeClr val="tx1"/>
                 </a:solidFill>
               </a:rPr>
-              <a:t>motion</a:t>
+              <a:t>motivation</a:t>
             </a:r>
             <a:r>
               <a:rPr lang="zh-CN" altLang="en-US" sz="2000">
@@ -5964,13 +5964,13 @@
         </p:nvSpPr>
         <p:spPr>
           <a:xfrm>
-            <a:off x="608330" y="1490345"/>
-            <a:ext cx="10968990" cy="5257800"/>
+            <a:off x="221615" y="1207135"/>
+            <a:ext cx="11355705" cy="5541010"/>
           </a:xfrm>
         </p:spPr>
         <p:txBody>
           <a:bodyPr>
-            <a:normAutofit lnSpcReduction="20000"/>
+            <a:normAutofit/>
           </a:bodyPr>
           <a:p>
             <a:pPr marL="0" indent="0">
@@ -7517,14 +7517,14 @@
         </p:spPr>
         <p:txBody>
           <a:bodyPr>
-            <a:normAutofit fontScale="55000"/>
+            <a:noAutofit/>
           </a:bodyPr>
           <a:p>
             <a:pPr marL="0" indent="0">
               <a:buNone/>
             </a:pPr>
             <a:r>
-              <a:rPr lang="zh-CN" altLang="en-US">
+              <a:rPr lang="zh-CN" altLang="en-US" sz="1100">
                 <a:solidFill>
                   <a:schemeClr val="tx1"/>
                 </a:solidFill>
@@ -7532,18 +7532,18 @@
               </a:rPr>
               <a:t>   │          2019 Video Action Transformer Network.pdf</a:t>
             </a:r>
-            <a:endParaRPr lang="zh-CN" altLang="en-US">
-              <a:solidFill>
-                <a:schemeClr val="tx1"/>
-              </a:solidFill>
-            </a:endParaRPr>
-          </a:p>
-          <a:p>
-            <a:pPr marL="0" indent="0">
-              <a:buNone/>
-            </a:pPr>
-            <a:r>
-              <a:rPr lang="zh-CN" altLang="en-US">
+            <a:endParaRPr lang="zh-CN" altLang="en-US" sz="1100">
+              <a:solidFill>
+                <a:schemeClr val="tx1"/>
+              </a:solidFill>
+            </a:endParaRPr>
+          </a:p>
+          <a:p>
+            <a:pPr marL="0" indent="0">
+              <a:buNone/>
+            </a:pPr>
+            <a:r>
+              <a:rPr lang="zh-CN" altLang="en-US" sz="1100">
                 <a:solidFill>
                   <a:schemeClr val="tx1"/>
                 </a:solidFill>
@@ -7551,18 +7551,18 @@
               </a:rPr>
               <a:t>    │          2021 Is Space-Time Attention All You Need for Video Understanding.pdf</a:t>
             </a:r>
-            <a:endParaRPr lang="zh-CN" altLang="en-US">
-              <a:solidFill>
-                <a:schemeClr val="tx1"/>
-              </a:solidFill>
-            </a:endParaRPr>
-          </a:p>
-          <a:p>
-            <a:pPr marL="0" indent="0">
-              <a:buNone/>
-            </a:pPr>
-            <a:r>
-              <a:rPr lang="zh-CN" altLang="en-US">
+            <a:endParaRPr lang="zh-CN" altLang="en-US" sz="1100">
+              <a:solidFill>
+                <a:schemeClr val="tx1"/>
+              </a:solidFill>
+            </a:endParaRPr>
+          </a:p>
+          <a:p>
+            <a:pPr marL="0" indent="0">
+              <a:buNone/>
+            </a:pPr>
+            <a:r>
+              <a:rPr lang="zh-CN" altLang="en-US" sz="1100">
                 <a:solidFill>
                   <a:schemeClr val="tx1"/>
                 </a:solidFill>
@@ -7570,18 +7570,18 @@
               </a:rPr>
               <a:t>    │          2021 Video Transformer Network.pdf</a:t>
             </a:r>
-            <a:endParaRPr lang="zh-CN" altLang="en-US">
-              <a:solidFill>
-                <a:schemeClr val="tx1"/>
-              </a:solidFill>
-            </a:endParaRPr>
-          </a:p>
-          <a:p>
-            <a:pPr marL="0" indent="0">
-              <a:buNone/>
-            </a:pPr>
-            <a:r>
-              <a:rPr lang="zh-CN" altLang="en-US">
+            <a:endParaRPr lang="zh-CN" altLang="en-US" sz="1100">
+              <a:solidFill>
+                <a:schemeClr val="tx1"/>
+              </a:solidFill>
+            </a:endParaRPr>
+          </a:p>
+          <a:p>
+            <a:pPr marL="0" indent="0">
+              <a:buNone/>
+            </a:pPr>
+            <a:r>
+              <a:rPr lang="zh-CN" altLang="en-US" sz="1100">
                 <a:solidFill>
                   <a:schemeClr val="tx1"/>
                 </a:solidFill>
@@ -7589,18 +7589,18 @@
               </a:rPr>
               <a:t>    │          2021 ViViT A Video Vision Transformer.pdf</a:t>
             </a:r>
-            <a:endParaRPr lang="zh-CN" altLang="en-US">
-              <a:solidFill>
-                <a:schemeClr val="tx1"/>
-              </a:solidFill>
-            </a:endParaRPr>
-          </a:p>
-          <a:p>
-            <a:pPr marL="0" indent="0">
-              <a:buNone/>
-            </a:pPr>
-            <a:r>
-              <a:rPr lang="zh-CN" altLang="en-US">
+            <a:endParaRPr lang="zh-CN" altLang="en-US" sz="1100">
+              <a:solidFill>
+                <a:schemeClr val="tx1"/>
+              </a:solidFill>
+            </a:endParaRPr>
+          </a:p>
+          <a:p>
+            <a:pPr marL="0" indent="0">
+              <a:buNone/>
+            </a:pPr>
+            <a:r>
+              <a:rPr lang="zh-CN" altLang="en-US" sz="1100">
                 <a:solidFill>
                   <a:schemeClr val="tx1"/>
                 </a:solidFill>
@@ -7608,18 +7608,18 @@
               </a:rPr>
               <a:t>    │</a:t>
             </a:r>
-            <a:endParaRPr lang="zh-CN" altLang="en-US">
-              <a:solidFill>
-                <a:schemeClr val="tx1"/>
-              </a:solidFill>
-            </a:endParaRPr>
-          </a:p>
-          <a:p>
-            <a:pPr marL="0" indent="0">
-              <a:buNone/>
-            </a:pPr>
-            <a:r>
-              <a:rPr lang="zh-CN" altLang="en-US">
+            <a:endParaRPr lang="zh-CN" altLang="en-US" sz="1100">
+              <a:solidFill>
+                <a:schemeClr val="tx1"/>
+              </a:solidFill>
+            </a:endParaRPr>
+          </a:p>
+          <a:p>
+            <a:pPr marL="0" indent="0">
+              <a:buNone/>
+            </a:pPr>
+            <a:r>
+              <a:rPr lang="zh-CN" altLang="en-US" sz="1100">
                 <a:solidFill>
                   <a:schemeClr val="tx1"/>
                 </a:solidFill>
@@ -7627,18 +7627,18 @@
               </a:rPr>
               <a:t>    ├─interaction</a:t>
             </a:r>
-            <a:endParaRPr lang="zh-CN" altLang="en-US">
-              <a:solidFill>
-                <a:schemeClr val="tx1"/>
-              </a:solidFill>
-            </a:endParaRPr>
-          </a:p>
-          <a:p>
-            <a:pPr marL="0" indent="0">
-              <a:buNone/>
-            </a:pPr>
-            <a:r>
-              <a:rPr lang="zh-CN" altLang="en-US">
+            <a:endParaRPr lang="zh-CN" altLang="en-US" sz="1100">
+              <a:solidFill>
+                <a:schemeClr val="tx1"/>
+              </a:solidFill>
+            </a:endParaRPr>
+          </a:p>
+          <a:p>
+            <a:pPr marL="0" indent="0">
+              <a:buNone/>
+            </a:pPr>
+            <a:r>
+              <a:rPr lang="zh-CN" altLang="en-US" sz="1100">
                 <a:solidFill>
                   <a:schemeClr val="tx1"/>
                 </a:solidFill>
@@ -7646,18 +7646,18 @@
               </a:rPr>
               <a:t>    │      2017 The “something something” video database.pdf</a:t>
             </a:r>
-            <a:endParaRPr lang="zh-CN" altLang="en-US">
-              <a:solidFill>
-                <a:schemeClr val="tx1"/>
-              </a:solidFill>
-            </a:endParaRPr>
-          </a:p>
-          <a:p>
-            <a:pPr marL="0" indent="0">
-              <a:buNone/>
-            </a:pPr>
-            <a:r>
-              <a:rPr lang="zh-CN" altLang="en-US">
+            <a:endParaRPr lang="zh-CN" altLang="en-US" sz="1100">
+              <a:solidFill>
+                <a:schemeClr val="tx1"/>
+              </a:solidFill>
+            </a:endParaRPr>
+          </a:p>
+          <a:p>
+            <a:pPr marL="0" indent="0">
+              <a:buNone/>
+            </a:pPr>
+            <a:r>
+              <a:rPr lang="zh-CN" altLang="en-US" sz="1100">
                 <a:solidFill>
                   <a:schemeClr val="tx1"/>
                 </a:solidFill>
@@ -7665,18 +7665,18 @@
               </a:rPr>
               <a:t>    │      2018 Detecting and Recognizing Human-Object Interactions.pdf</a:t>
             </a:r>
-            <a:endParaRPr lang="zh-CN" altLang="en-US">
-              <a:solidFill>
-                <a:schemeClr val="tx1"/>
-              </a:solidFill>
-            </a:endParaRPr>
-          </a:p>
-          <a:p>
-            <a:pPr marL="0" indent="0">
-              <a:buNone/>
-            </a:pPr>
-            <a:r>
-              <a:rPr lang="zh-CN" altLang="en-US">
+            <a:endParaRPr lang="zh-CN" altLang="en-US" sz="1100">
+              <a:solidFill>
+                <a:schemeClr val="tx1"/>
+              </a:solidFill>
+            </a:endParaRPr>
+          </a:p>
+          <a:p>
+            <a:pPr marL="0" indent="0">
+              <a:buNone/>
+            </a:pPr>
+            <a:r>
+              <a:rPr lang="zh-CN" altLang="en-US" sz="1100">
                 <a:solidFill>
                   <a:schemeClr val="tx1"/>
                 </a:solidFill>
@@ -7684,18 +7684,18 @@
               </a:rPr>
               <a:t>    │      2018 iCAN Instance-Centric Attention Network.pdf</a:t>
             </a:r>
-            <a:endParaRPr lang="zh-CN" altLang="en-US">
-              <a:solidFill>
-                <a:schemeClr val="tx1"/>
-              </a:solidFill>
-            </a:endParaRPr>
-          </a:p>
-          <a:p>
-            <a:pPr marL="0" indent="0">
-              <a:buNone/>
-            </a:pPr>
-            <a:r>
-              <a:rPr lang="zh-CN" altLang="en-US">
+            <a:endParaRPr lang="zh-CN" altLang="en-US" sz="1100">
+              <a:solidFill>
+                <a:schemeClr val="tx1"/>
+              </a:solidFill>
+            </a:endParaRPr>
+          </a:p>
+          <a:p>
+            <a:pPr marL="0" indent="0">
+              <a:buNone/>
+            </a:pPr>
+            <a:r>
+              <a:rPr lang="zh-CN" altLang="en-US" sz="1100">
                 <a:solidFill>
                   <a:schemeClr val="tx1"/>
                 </a:solidFill>
@@ -7703,18 +7703,18 @@
               </a:rPr>
               <a:t>    │      2018 Non-local Neural Networks.pdf</a:t>
             </a:r>
-            <a:endParaRPr lang="zh-CN" altLang="en-US">
-              <a:solidFill>
-                <a:schemeClr val="tx1"/>
-              </a:solidFill>
-            </a:endParaRPr>
-          </a:p>
-          <a:p>
-            <a:pPr marL="0" indent="0">
-              <a:buNone/>
-            </a:pPr>
-            <a:r>
-              <a:rPr lang="zh-CN" altLang="en-US">
+            <a:endParaRPr lang="zh-CN" altLang="en-US" sz="1100">
+              <a:solidFill>
+                <a:schemeClr val="tx1"/>
+              </a:solidFill>
+            </a:endParaRPr>
+          </a:p>
+          <a:p>
+            <a:pPr marL="0" indent="0">
+              <a:buNone/>
+            </a:pPr>
+            <a:r>
+              <a:rPr lang="zh-CN" altLang="en-US" sz="1100">
                 <a:solidFill>
                   <a:schemeClr val="tx1"/>
                 </a:solidFill>
@@ -7722,18 +7722,18 @@
               </a:rPr>
               <a:t>    │      2019 Detecting Unseen Visual Relations Using Analogies.pdf</a:t>
             </a:r>
-            <a:endParaRPr lang="zh-CN" altLang="en-US">
-              <a:solidFill>
-                <a:schemeClr val="tx1"/>
-              </a:solidFill>
-            </a:endParaRPr>
-          </a:p>
-          <a:p>
-            <a:pPr marL="0" indent="0">
-              <a:buNone/>
-            </a:pPr>
-            <a:r>
-              <a:rPr lang="zh-CN" altLang="en-US">
+            <a:endParaRPr lang="zh-CN" altLang="en-US" sz="1100">
+              <a:solidFill>
+                <a:schemeClr val="tx1"/>
+              </a:solidFill>
+            </a:endParaRPr>
+          </a:p>
+          <a:p>
+            <a:pPr marL="0" indent="0">
+              <a:buNone/>
+            </a:pPr>
+            <a:r>
+              <a:rPr lang="zh-CN" altLang="en-US" sz="1100">
                 <a:solidFill>
                   <a:schemeClr val="tx1"/>
                 </a:solidFill>
@@ -7741,18 +7741,18 @@
               </a:rPr>
               <a:t>    │      2019 Long-Term Feature Banks for Detailed Video Understanding.pdf</a:t>
             </a:r>
-            <a:endParaRPr lang="zh-CN" altLang="en-US">
-              <a:solidFill>
-                <a:schemeClr val="tx1"/>
-              </a:solidFill>
-            </a:endParaRPr>
-          </a:p>
-          <a:p>
-            <a:pPr marL="0" indent="0">
-              <a:buNone/>
-            </a:pPr>
-            <a:r>
-              <a:rPr lang="zh-CN" altLang="en-US">
+            <a:endParaRPr lang="zh-CN" altLang="en-US" sz="1100">
+              <a:solidFill>
+                <a:schemeClr val="tx1"/>
+              </a:solidFill>
+            </a:endParaRPr>
+          </a:p>
+          <a:p>
+            <a:pPr marL="0" indent="0">
+              <a:buNone/>
+            </a:pPr>
+            <a:r>
+              <a:rPr lang="zh-CN" altLang="en-US" sz="1100">
                 <a:solidFill>
                   <a:schemeClr val="tx1"/>
                 </a:solidFill>
@@ -7760,18 +7760,18 @@
               </a:rPr>
               <a:t>    │      2019 Transferable Interactiveness Knowledge for HOI.pdf</a:t>
             </a:r>
-            <a:endParaRPr lang="zh-CN" altLang="en-US">
-              <a:solidFill>
-                <a:schemeClr val="tx1"/>
-              </a:solidFill>
-            </a:endParaRPr>
-          </a:p>
-          <a:p>
-            <a:pPr marL="0" indent="0">
-              <a:buNone/>
-            </a:pPr>
-            <a:r>
-              <a:rPr lang="zh-CN" altLang="en-US">
+            <a:endParaRPr lang="zh-CN" altLang="en-US" sz="1100">
+              <a:solidFill>
+                <a:schemeClr val="tx1"/>
+              </a:solidFill>
+            </a:endParaRPr>
+          </a:p>
+          <a:p>
+            <a:pPr marL="0" indent="0">
+              <a:buNone/>
+            </a:pPr>
+            <a:r>
+              <a:rPr lang="zh-CN" altLang="en-US" sz="1100">
                 <a:solidFill>
                   <a:schemeClr val="tx1"/>
                 </a:solidFill>
@@ -7779,18 +7779,18 @@
               </a:rPr>
               <a:t>    │      2020 Human hands in contact.pdf</a:t>
             </a:r>
-            <a:endParaRPr lang="zh-CN" altLang="en-US">
-              <a:solidFill>
-                <a:schemeClr val="tx1"/>
-              </a:solidFill>
-            </a:endParaRPr>
-          </a:p>
-          <a:p>
-            <a:pPr marL="0" indent="0">
-              <a:buNone/>
-            </a:pPr>
-            <a:r>
-              <a:rPr lang="zh-CN" altLang="en-US">
+            <a:endParaRPr lang="zh-CN" altLang="en-US" sz="1100">
+              <a:solidFill>
+                <a:schemeClr val="tx1"/>
+              </a:solidFill>
+            </a:endParaRPr>
+          </a:p>
+          <a:p>
+            <a:pPr marL="0" indent="0">
+              <a:buNone/>
+            </a:pPr>
+            <a:r>
+              <a:rPr lang="zh-CN" altLang="en-US" sz="1100">
                 <a:solidFill>
                   <a:schemeClr val="tx1"/>
                 </a:solidFill>
@@ -7798,18 +7798,18 @@
               </a:rPr>
               <a:t>    │      2021 Motion Guided Attention Fusion to Recognize Interactions from Videos.pdf</a:t>
             </a:r>
-            <a:endParaRPr lang="zh-CN" altLang="en-US">
-              <a:solidFill>
-                <a:schemeClr val="tx1"/>
-              </a:solidFill>
-            </a:endParaRPr>
-          </a:p>
-          <a:p>
-            <a:pPr marL="0" indent="0">
-              <a:buNone/>
-            </a:pPr>
-            <a:r>
-              <a:rPr lang="zh-CN" altLang="en-US">
+            <a:endParaRPr lang="zh-CN" altLang="en-US" sz="1100">
+              <a:solidFill>
+                <a:schemeClr val="tx1"/>
+              </a:solidFill>
+            </a:endParaRPr>
+          </a:p>
+          <a:p>
+            <a:pPr marL="0" indent="0">
+              <a:buNone/>
+            </a:pPr>
+            <a:r>
+              <a:rPr lang="zh-CN" altLang="en-US" sz="1100">
                 <a:solidFill>
                   <a:schemeClr val="tx1"/>
                 </a:solidFill>
@@ -7817,17 +7817,17 @@
               </a:rPr>
               <a:t>    │      2021 Objetc-Region Video Transformer.pdf</a:t>
             </a:r>
-            <a:endParaRPr lang="zh-CN" altLang="en-US">
-              <a:solidFill>
-                <a:schemeClr val="tx1"/>
-              </a:solidFill>
-            </a:endParaRPr>
-          </a:p>
-          <a:p>
-            <a:pPr marL="0" indent="0">
-              <a:buNone/>
-            </a:pPr>
-            <a:endParaRPr lang="zh-CN" altLang="en-US">
+            <a:endParaRPr lang="zh-CN" altLang="en-US" sz="1100">
+              <a:solidFill>
+                <a:schemeClr val="tx1"/>
+              </a:solidFill>
+            </a:endParaRPr>
+          </a:p>
+          <a:p>
+            <a:pPr marL="0" indent="0">
+              <a:buNone/>
+            </a:pPr>
+            <a:endParaRPr lang="zh-CN" altLang="en-US" sz="600">
               <a:solidFill>
                 <a:schemeClr val="tx1"/>
               </a:solidFill>

--- a/compositional action recognition survey.pptx
+++ b/compositional action recognition survey.pptx
@@ -14,24 +14,19 @@
     <p:sldId id="283" r:id="rId7"/>
     <p:sldId id="265" r:id="rId8"/>
     <p:sldId id="270" r:id="rId9"/>
-    <p:sldId id="264" r:id="rId10"/>
-    <p:sldId id="262" r:id="rId11"/>
+    <p:sldId id="262" r:id="rId10"/>
+    <p:sldId id="264" r:id="rId11"/>
     <p:sldId id="261" r:id="rId12"/>
     <p:sldId id="272" r:id="rId13"/>
     <p:sldId id="285" r:id="rId14"/>
     <p:sldId id="268" r:id="rId15"/>
     <p:sldId id="267" r:id="rId16"/>
-    <p:sldId id="257" r:id="rId17"/>
-    <p:sldId id="284" r:id="rId18"/>
-    <p:sldId id="286" r:id="rId19"/>
-    <p:sldId id="287" r:id="rId20"/>
-    <p:sldId id="288" r:id="rId21"/>
-    <p:sldId id="269" r:id="rId22"/>
+    <p:sldId id="269" r:id="rId17"/>
   </p:sldIdLst>
   <p:sldSz cx="12192000" cy="6858000"/>
   <p:notesSz cx="6858000" cy="9144000"/>
   <p:custDataLst>
-    <p:tags r:id="rId27"/>
+    <p:tags r:id="rId22"/>
   </p:custDataLst>
   <p:defaultTextStyle>
     <a:defPPr>
@@ -3587,7 +3582,12 @@
             </p:custDataLst>
           </p:nvPr>
         </p:nvSpPr>
-        <p:spPr/>
+        <p:spPr>
+          <a:xfrm>
+            <a:off x="1198880" y="3773805"/>
+            <a:ext cx="9657715" cy="922020"/>
+          </a:xfrm>
+        </p:spPr>
         <p:txBody>
           <a:bodyPr/>
           <a:p>
@@ -3598,29 +3598,6 @@
                 </a:solidFill>
               </a:rPr>
               <a:t>汇报人：刘洋岑</a:t>
-            </a:r>
-            <a:endParaRPr lang="zh-CN" altLang="en-US">
-              <a:solidFill>
-                <a:schemeClr val="tx1"/>
-              </a:solidFill>
-            </a:endParaRPr>
-          </a:p>
-          <a:p>
-            <a:r>
-              <a:rPr lang="en-US" altLang="zh-CN">
-                <a:solidFill>
-                  <a:schemeClr val="tx1"/>
-                </a:solidFill>
-              </a:rPr>
-              <a:t>Mentor: </a:t>
-            </a:r>
-            <a:r>
-              <a:rPr lang="zh-CN" altLang="en-US">
-                <a:solidFill>
-                  <a:schemeClr val="tx1"/>
-                </a:solidFill>
-              </a:rPr>
-              <a:t>李洵松</a:t>
             </a:r>
             <a:endParaRPr lang="zh-CN" altLang="en-US">
               <a:solidFill>
@@ -3863,7 +3840,7 @@
                   <a:schemeClr val="tx1"/>
                 </a:solidFill>
               </a:rPr>
-              <a:t>。可能是没有调好。</a:t>
+              <a:t>，可能是没有调好。</a:t>
             </a:r>
             <a:endParaRPr lang="zh-CN" altLang="en-US" sz="1000">
               <a:solidFill>
@@ -4286,7 +4263,23 @@
                   <a:schemeClr val="tx1"/>
                 </a:solidFill>
               </a:rPr>
-              <a:t> (69.7%): 2022 Object-Region Video Transformers</a:t>
+              <a:t> (</a:t>
+            </a:r>
+            <a:r>
+              <a:rPr lang="en-US" altLang="zh-CN" sz="1000" b="1">
+                <a:solidFill>
+                  <a:schemeClr val="tx1"/>
+                </a:solidFill>
+              </a:rPr>
+              <a:t>69.7</a:t>
+            </a:r>
+            <a:r>
+              <a:rPr lang="en-US" altLang="zh-CN" sz="1000">
+                <a:solidFill>
+                  <a:schemeClr val="tx1"/>
+                </a:solidFill>
+              </a:rPr>
+              <a:t>%): 2022 Object-Region Video Transformers</a:t>
             </a:r>
             <a:endParaRPr lang="en-US" altLang="zh-CN" sz="1000">
               <a:solidFill>
@@ -4575,7 +4568,7 @@
                   <a:schemeClr val="tx1"/>
                 </a:solidFill>
               </a:rPr>
-              <a:t>的，主要在几个图片数据集上进行，引入了外部语义进行辅助建模。其中语义流从词袋中得到基础信息，然后不同的词语构建成知识图谱，用</a:t>
+              <a:t>的，主要在几个图片数据集上进行，创新点是：引入了外部语义进行辅助建模。其中语义流从词袋中得到基础信息，然后不同的词语构建成知识图谱，用</a:t>
             </a:r>
             <a:r>
               <a:rPr lang="en-US" altLang="zh-CN" sz="1000">
@@ -4634,20 +4627,20 @@
         </p:nvSpPr>
         <p:spPr>
           <a:xfrm>
-            <a:off x="635" y="1113155"/>
-            <a:ext cx="12190730" cy="5745480"/>
+            <a:off x="-81280" y="1097280"/>
+            <a:ext cx="12378690" cy="5831840"/>
           </a:xfrm>
         </p:spPr>
         <p:txBody>
           <a:bodyPr>
-            <a:normAutofit fontScale="60000"/>
+            <a:noAutofit/>
           </a:bodyPr>
           <a:p>
             <a:pPr marL="0" indent="0">
               <a:buNone/>
             </a:pPr>
             <a:r>
-              <a:rPr lang="en-US" altLang="zh-CN" sz="2000">
+              <a:rPr lang="en-US" altLang="zh-CN" sz="900">
                 <a:solidFill>
                   <a:schemeClr val="tx1"/>
                 </a:solidFill>
@@ -4655,7 +4648,7 @@
               <a:t>3.4.6.</a:t>
             </a:r>
             <a:r>
-              <a:rPr lang="en-US" altLang="zh-CN" sz="2000">
+              <a:rPr lang="en-US" altLang="zh-CN" sz="900">
                 <a:solidFill>
                   <a:schemeClr val="tx1"/>
                 </a:solidFill>
@@ -4664,7 +4657,7 @@
               <a:t>MixUp</a:t>
             </a:r>
             <a:r>
-              <a:rPr lang="en-US" altLang="zh-CN" sz="2000">
+              <a:rPr lang="en-US" altLang="zh-CN" sz="900">
                 <a:solidFill>
                   <a:schemeClr val="tx1"/>
                 </a:solidFill>
@@ -4672,7 +4665,7 @@
               <a:t> (</a:t>
             </a:r>
             <a:r>
-              <a:rPr lang="zh-CN" altLang="en-US" sz="2000">
+              <a:rPr lang="zh-CN" altLang="en-US" sz="900">
                 <a:solidFill>
                   <a:schemeClr val="tx1"/>
                 </a:solidFill>
@@ -4680,7 +4673,7 @@
               <a:t>无</a:t>
             </a:r>
             <a:r>
-              <a:rPr lang="en-US" altLang="zh-CN" sz="2000">
+              <a:rPr lang="en-US" altLang="zh-CN" sz="900">
                 <a:solidFill>
                   <a:schemeClr val="tx1"/>
                 </a:solidFill>
@@ -4688,7 +4681,7 @@
               <a:t>)</a:t>
             </a:r>
             <a:r>
-              <a:rPr lang="zh-CN" altLang="en-US" sz="2000">
+              <a:rPr lang="zh-CN" altLang="en-US" sz="900">
                 <a:solidFill>
                   <a:schemeClr val="tx1"/>
                 </a:solidFill>
@@ -4696,7 +4689,7 @@
               <a:t>：</a:t>
             </a:r>
             <a:r>
-              <a:rPr lang="en-US" altLang="zh-CN" sz="2000">
+              <a:rPr lang="en-US" altLang="zh-CN" sz="900">
                 <a:solidFill>
                   <a:schemeClr val="tx1"/>
                 </a:solidFill>
@@ -4704,7 +4697,7 @@
               <a:t>2022 </a:t>
             </a:r>
             <a:r>
-              <a:rPr lang="zh-CN" altLang="en-US" sz="2000">
+              <a:rPr lang="zh-CN" altLang="en-US" sz="900">
                 <a:solidFill>
                   <a:schemeClr val="tx1"/>
                 </a:solidFill>
@@ -4712,7 +4705,7 @@
               </a:rPr>
               <a:t>Generative Mixup Networks for Zero-Shot Learning</a:t>
             </a:r>
-            <a:endParaRPr lang="zh-CN" altLang="en-US" sz="2000">
+            <a:endParaRPr lang="zh-CN" altLang="en-US" sz="900">
               <a:solidFill>
                 <a:schemeClr val="tx1"/>
               </a:solidFill>
@@ -4724,7 +4717,7 @@
               <a:buNone/>
             </a:pPr>
             <a:r>
-              <a:rPr lang="zh-CN" altLang="en-US" sz="2000">
+              <a:rPr lang="zh-CN" altLang="en-US" sz="900">
                 <a:solidFill>
                   <a:schemeClr val="tx1"/>
                 </a:solidFill>
@@ -4732,7 +4725,7 @@
               <a:t>这篇的任务也是</a:t>
             </a:r>
             <a:r>
-              <a:rPr lang="en-US" altLang="zh-CN" sz="2000">
+              <a:rPr lang="en-US" altLang="zh-CN" sz="900">
                 <a:solidFill>
                   <a:schemeClr val="tx1"/>
                 </a:solidFill>
@@ -4740,7 +4733,7 @@
               <a:t>CZSL</a:t>
             </a:r>
             <a:r>
-              <a:rPr lang="zh-CN" altLang="en-US" sz="2000">
+              <a:rPr lang="zh-CN" altLang="en-US" sz="900">
                 <a:solidFill>
                   <a:schemeClr val="tx1"/>
                 </a:solidFill>
@@ -4748,7 +4741,7 @@
               <a:t>，不过给了一个很好的</a:t>
             </a:r>
             <a:r>
-              <a:rPr lang="en-US" altLang="zh-CN" sz="2000">
+              <a:rPr lang="en-US" altLang="zh-CN" sz="900">
                 <a:solidFill>
                   <a:schemeClr val="tx1"/>
                 </a:solidFill>
@@ -4756,7 +4749,7 @@
               <a:t>semantic</a:t>
             </a:r>
             <a:r>
-              <a:rPr lang="zh-CN" altLang="en-US" sz="2000">
+              <a:rPr lang="zh-CN" altLang="en-US" sz="900">
                 <a:solidFill>
                   <a:schemeClr val="tx1"/>
                 </a:solidFill>
@@ -4764,7 +4757,7 @@
               <a:t>和</a:t>
             </a:r>
             <a:r>
-              <a:rPr lang="en-US" altLang="zh-CN" sz="2000">
+              <a:rPr lang="en-US" altLang="zh-CN" sz="900">
                 <a:solidFill>
                   <a:schemeClr val="tx1"/>
                 </a:solidFill>
@@ -4772,7 +4765,7 @@
               <a:t>appearance feature</a:t>
             </a:r>
             <a:r>
-              <a:rPr lang="zh-CN" altLang="en-US" sz="2000">
+              <a:rPr lang="zh-CN" altLang="en-US" sz="900">
                 <a:solidFill>
                   <a:schemeClr val="tx1"/>
                 </a:solidFill>
@@ -4780,7 +4773,7 @@
               <a:t>对齐的启发。文中使用了</a:t>
             </a:r>
             <a:r>
-              <a:rPr lang="en-US" altLang="zh-CN" sz="2000">
+              <a:rPr lang="en-US" altLang="zh-CN" sz="900">
                 <a:solidFill>
                   <a:schemeClr val="tx1"/>
                 </a:solidFill>
@@ -4788,14 +4781,14 @@
               <a:t>mix up</a:t>
             </a:r>
             <a:r>
-              <a:rPr lang="zh-CN" altLang="en-US" sz="2000">
+              <a:rPr lang="zh-CN" altLang="en-US" sz="900">
                 <a:solidFill>
                   <a:schemeClr val="tx1"/>
                 </a:solidFill>
               </a:rPr>
               <a:t>的方式对于目标域的一些内容进行生成。</a:t>
             </a:r>
-            <a:endParaRPr lang="zh-CN" altLang="en-US" sz="2000">
+            <a:endParaRPr lang="zh-CN" altLang="en-US" sz="900">
               <a:solidFill>
                 <a:schemeClr val="tx1"/>
               </a:solidFill>
@@ -4805,7 +4798,7 @@
             <a:pPr marL="0" indent="0">
               <a:buNone/>
             </a:pPr>
-            <a:endParaRPr lang="zh-CN" altLang="en-US" sz="2000">
+            <a:endParaRPr lang="zh-CN" altLang="en-US" sz="900">
               <a:solidFill>
                 <a:schemeClr val="tx1"/>
               </a:solidFill>
@@ -4816,7 +4809,7 @@
               <a:buNone/>
             </a:pPr>
             <a:r>
-              <a:rPr lang="en-US" altLang="zh-CN" sz="2000">
+              <a:rPr lang="en-US" altLang="zh-CN" sz="900">
                 <a:solidFill>
                   <a:schemeClr val="tx1"/>
                 </a:solidFill>
@@ -4824,7 +4817,7 @@
               <a:t>3.4.7.</a:t>
             </a:r>
             <a:r>
-              <a:rPr lang="en-US" altLang="zh-CN" sz="2000">
+              <a:rPr lang="en-US" altLang="zh-CN" sz="900">
                 <a:solidFill>
                   <a:schemeClr val="tx1"/>
                 </a:solidFill>
@@ -4833,7 +4826,7 @@
               <a:t>OC-immune</a:t>
             </a:r>
             <a:r>
-              <a:rPr lang="en-US" altLang="zh-CN" sz="2000">
+              <a:rPr lang="en-US" altLang="zh-CN" sz="900">
                 <a:solidFill>
                   <a:schemeClr val="tx1"/>
                 </a:solidFill>
@@ -4841,7 +4834,7 @@
               <a:t> (</a:t>
             </a:r>
             <a:r>
-              <a:rPr lang="zh-CN" altLang="en-US" sz="2000">
+              <a:rPr lang="zh-CN" altLang="en-US" sz="900">
                 <a:solidFill>
                   <a:schemeClr val="tx1"/>
                 </a:solidFill>
@@ -4849,7 +4842,7 @@
               <a:t>无</a:t>
             </a:r>
             <a:r>
-              <a:rPr lang="en-US" altLang="zh-CN" sz="2000">
+              <a:rPr lang="en-US" altLang="zh-CN" sz="900">
                 <a:solidFill>
                   <a:schemeClr val="tx1"/>
                 </a:solidFill>
@@ -4857,14 +4850,14 @@
               <a:t>)</a:t>
             </a:r>
             <a:r>
-              <a:rPr lang="zh-CN" altLang="en-US" sz="2000">
+              <a:rPr lang="zh-CN" altLang="en-US" sz="900">
                 <a:solidFill>
                   <a:schemeClr val="tx1"/>
                 </a:solidFill>
               </a:rPr>
               <a:t>：2022 Highlighting Object Category Immunity for the Generalization of Human-Object Interaction Detection</a:t>
             </a:r>
-            <a:endParaRPr lang="zh-CN" altLang="en-US" sz="2000">
+            <a:endParaRPr lang="zh-CN" altLang="en-US" sz="900">
               <a:solidFill>
                 <a:schemeClr val="tx1"/>
               </a:solidFill>
@@ -4875,7 +4868,7 @@
               <a:buNone/>
             </a:pPr>
             <a:r>
-              <a:rPr lang="zh-CN" altLang="en-US" sz="2000">
+              <a:rPr lang="zh-CN" altLang="en-US" sz="900">
                 <a:solidFill>
                   <a:schemeClr val="tx1"/>
                 </a:solidFill>
@@ -4883,7 +4876,7 @@
               <a:t>面向</a:t>
             </a:r>
             <a:r>
-              <a:rPr lang="en-US" altLang="zh-CN" sz="2000">
+              <a:rPr lang="en-US" altLang="zh-CN" sz="900">
                 <a:solidFill>
                   <a:schemeClr val="tx1"/>
                 </a:solidFill>
@@ -4891,7 +4884,7 @@
               <a:t>HOI</a:t>
             </a:r>
             <a:r>
-              <a:rPr lang="zh-CN" altLang="en-US" sz="2000">
+              <a:rPr lang="zh-CN" altLang="en-US" sz="900">
                 <a:solidFill>
                   <a:schemeClr val="tx1"/>
                 </a:solidFill>
@@ -4899,7 +4892,7 @@
               <a:t>问题，</a:t>
             </a:r>
             <a:r>
-              <a:rPr lang="en-US" altLang="zh-CN" sz="2000">
+              <a:rPr lang="en-US" altLang="zh-CN" sz="900">
                 <a:solidFill>
                   <a:schemeClr val="tx1"/>
                 </a:solidFill>
@@ -4907,7 +4900,7 @@
               <a:t>motivation</a:t>
             </a:r>
             <a:r>
-              <a:rPr lang="zh-CN" altLang="en-US" sz="2000">
+              <a:rPr lang="zh-CN" altLang="en-US" sz="900">
                 <a:solidFill>
                   <a:schemeClr val="tx1"/>
                 </a:solidFill>
@@ -4915,7 +4908,7 @@
               <a:t>是为解决去偏差的问题，使用了一种生成式的方式强行将</a:t>
             </a:r>
             <a:r>
-              <a:rPr lang="en-US" altLang="zh-CN" sz="2000">
+              <a:rPr lang="en-US" altLang="zh-CN" sz="900">
                 <a:solidFill>
                   <a:schemeClr val="tx1"/>
                 </a:solidFill>
@@ -4923,7 +4916,7 @@
               <a:t>object</a:t>
             </a:r>
             <a:r>
-              <a:rPr lang="zh-CN" altLang="en-US" sz="2000">
+              <a:rPr lang="zh-CN" altLang="en-US" sz="900">
                 <a:solidFill>
                   <a:schemeClr val="tx1"/>
                 </a:solidFill>
@@ -4931,7 +4924,7 @@
               <a:t>映射到同一个高维空间（两个物体映射，判别器判别都是</a:t>
             </a:r>
             <a:r>
-              <a:rPr lang="en-US" altLang="zh-CN" sz="2000">
+              <a:rPr lang="en-US" altLang="zh-CN" sz="900">
                 <a:solidFill>
                   <a:schemeClr val="tx1"/>
                 </a:solidFill>
@@ -4939,7 +4932,7 @@
               <a:t>0.5</a:t>
             </a:r>
             <a:r>
-              <a:rPr lang="zh-CN" altLang="en-US" sz="2000">
+              <a:rPr lang="zh-CN" altLang="en-US" sz="900">
                 <a:solidFill>
                   <a:schemeClr val="tx1"/>
                 </a:solidFill>
@@ -4947,7 +4940,7 @@
               <a:t>）。得到了效果的提升。没有具体的模型。提出了</a:t>
             </a:r>
             <a:r>
-              <a:rPr lang="en-US" altLang="zh-CN" sz="2000">
+              <a:rPr lang="en-US" altLang="zh-CN" sz="900">
                 <a:solidFill>
                   <a:schemeClr val="tx1"/>
                 </a:solidFill>
@@ -4955,7 +4948,7 @@
               <a:t>mPD</a:t>
             </a:r>
             <a:r>
-              <a:rPr lang="zh-CN" altLang="en-US" sz="2000">
+              <a:rPr lang="zh-CN" altLang="en-US" sz="900">
                 <a:solidFill>
                   <a:schemeClr val="tx1"/>
                 </a:solidFill>
@@ -4963,7 +4956,7 @@
               <a:t>的一个指标：可以很好的体现出</a:t>
             </a:r>
             <a:r>
-              <a:rPr lang="en-US" altLang="zh-CN" sz="2000">
+              <a:rPr lang="en-US" altLang="zh-CN" sz="900">
                 <a:solidFill>
                   <a:schemeClr val="tx1"/>
                 </a:solidFill>
@@ -4971,7 +4964,7 @@
               <a:t>object</a:t>
             </a:r>
             <a:r>
-              <a:rPr lang="zh-CN" altLang="en-US" sz="2000">
+              <a:rPr lang="zh-CN" altLang="en-US" sz="900">
                 <a:solidFill>
                   <a:schemeClr val="tx1"/>
                 </a:solidFill>
@@ -4979,7 +4972,7 @@
               <a:t>对于模型准确性的影响。而这种强行混合的方法对</a:t>
             </a:r>
             <a:r>
-              <a:rPr lang="en-US" altLang="zh-CN" sz="2000">
+              <a:rPr lang="en-US" altLang="zh-CN" sz="900">
                 <a:solidFill>
                   <a:schemeClr val="tx1"/>
                 </a:solidFill>
@@ -4987,14 +4980,14 @@
               <a:t>mPD</a:t>
             </a:r>
             <a:r>
-              <a:rPr lang="zh-CN" altLang="en-US" sz="2000">
+              <a:rPr lang="zh-CN" altLang="en-US" sz="900">
                 <a:solidFill>
                   <a:schemeClr val="tx1"/>
                 </a:solidFill>
               </a:rPr>
               <a:t>有着一定的提升。但是我其实感觉逻辑上本来就该提升，这个实验结果意义不是很大（物体都被强行无偏了）。</a:t>
             </a:r>
-            <a:endParaRPr lang="zh-CN" altLang="en-US" sz="2000">
+            <a:endParaRPr lang="zh-CN" altLang="en-US" sz="900">
               <a:solidFill>
                 <a:schemeClr val="tx1"/>
               </a:solidFill>
@@ -5004,7 +4997,7 @@
             <a:pPr marL="0" indent="0">
               <a:buNone/>
             </a:pPr>
-            <a:endParaRPr lang="zh-CN" altLang="en-US" sz="2000">
+            <a:endParaRPr lang="zh-CN" altLang="en-US" sz="900">
               <a:solidFill>
                 <a:schemeClr val="tx1"/>
               </a:solidFill>
@@ -5015,7 +5008,7 @@
               <a:buNone/>
             </a:pPr>
             <a:r>
-              <a:rPr lang="en-US" altLang="zh-CN" sz="2000">
+              <a:rPr lang="en-US" altLang="zh-CN" sz="900">
                 <a:solidFill>
                   <a:schemeClr val="tx1"/>
                 </a:solidFill>
@@ -5023,7 +5016,7 @@
               <a:t>3.4.8.</a:t>
             </a:r>
             <a:r>
-              <a:rPr lang="en-US" altLang="zh-CN" sz="2000">
+              <a:rPr lang="en-US" altLang="zh-CN" sz="900">
                 <a:solidFill>
                   <a:schemeClr val="tx1"/>
                 </a:solidFill>
@@ -5032,7 +5025,7 @@
               <a:t>CDN</a:t>
             </a:r>
             <a:r>
-              <a:rPr lang="en-US" altLang="zh-CN" sz="2000">
+              <a:rPr lang="en-US" altLang="zh-CN" sz="900">
                 <a:solidFill>
                   <a:schemeClr val="tx1"/>
                 </a:solidFill>
@@ -5040,7 +5033,7 @@
               <a:t> (64.5%)</a:t>
             </a:r>
             <a:r>
-              <a:rPr lang="zh-CN" altLang="en-US" sz="2000">
+              <a:rPr lang="zh-CN" altLang="en-US" sz="900">
                 <a:solidFill>
                   <a:schemeClr val="tx1"/>
                 </a:solidFill>
@@ -5048,14 +5041,14 @@
               <a:t>：</a:t>
             </a:r>
             <a:r>
-              <a:rPr lang="en-US" altLang="zh-CN" sz="2000">
+              <a:rPr lang="en-US" altLang="zh-CN" sz="900">
                 <a:solidFill>
                   <a:schemeClr val="tx1"/>
                 </a:solidFill>
               </a:rPr>
               <a:t>2021 Counterfactual Debiasing Inference for Compositional Action Recognition</a:t>
             </a:r>
-            <a:endParaRPr lang="en-US" altLang="zh-CN" sz="2000">
+            <a:endParaRPr lang="en-US" altLang="zh-CN" sz="900">
               <a:solidFill>
                 <a:schemeClr val="tx1"/>
               </a:solidFill>
@@ -5066,7 +5059,7 @@
               <a:buNone/>
             </a:pPr>
             <a:r>
-              <a:rPr lang="zh-CN" altLang="en-US" sz="2000">
+              <a:rPr lang="zh-CN" altLang="en-US" sz="900">
                 <a:solidFill>
                   <a:schemeClr val="tx1"/>
                 </a:solidFill>
@@ -5074,7 +5067,7 @@
               <a:t>这篇感觉是比较稀有的真正在做视频去偏工作的</a:t>
             </a:r>
             <a:r>
-              <a:rPr lang="en-US" altLang="zh-CN" sz="2000">
+              <a:rPr lang="en-US" altLang="zh-CN" sz="900">
                 <a:solidFill>
                   <a:schemeClr val="tx1"/>
                 </a:solidFill>
@@ -5082,31 +5075,47 @@
               <a:t>paper</a:t>
             </a:r>
             <a:r>
-              <a:rPr lang="zh-CN" altLang="en-US" sz="2000">
-                <a:solidFill>
-                  <a:schemeClr val="tx1"/>
-                </a:solidFill>
-              </a:rPr>
-              <a:t>。是</a:t>
-            </a:r>
-            <a:r>
-              <a:rPr lang="en-US" altLang="zh-CN" sz="2000">
-                <a:solidFill>
-                  <a:schemeClr val="tx1"/>
-                </a:solidFill>
-              </a:rPr>
-              <a:t>mentor</a:t>
-            </a:r>
-            <a:r>
-              <a:rPr lang="zh-CN" altLang="en-US" sz="2000">
-                <a:solidFill>
-                  <a:schemeClr val="tx1"/>
-                </a:solidFill>
-              </a:rPr>
-              <a:t>和孙学长的工作，使用减法的形式，将两个</a:t>
-            </a:r>
-            <a:r>
-              <a:rPr lang="en-US" altLang="zh-CN" sz="2000">
+              <a:rPr lang="zh-CN" altLang="en-US" sz="900">
+                <a:solidFill>
+                  <a:schemeClr val="tx1"/>
+                </a:solidFill>
+              </a:rPr>
+              <a:t>。是孙鹏展和李洵松学长的工作，使用</a:t>
+            </a:r>
+            <a:r>
+              <a:rPr lang="en-US" altLang="zh-CN" sz="900">
+                <a:solidFill>
+                  <a:schemeClr val="tx1"/>
+                </a:solidFill>
+              </a:rPr>
+              <a:t>“</a:t>
+            </a:r>
+            <a:r>
+              <a:rPr lang="zh-CN" altLang="en-US" sz="900">
+                <a:solidFill>
+                  <a:schemeClr val="tx1"/>
+                </a:solidFill>
+              </a:rPr>
+              <a:t>减法</a:t>
+            </a:r>
+            <a:r>
+              <a:rPr lang="en-US" altLang="zh-CN" sz="900">
+                <a:solidFill>
+                  <a:schemeClr val="tx1"/>
+                </a:solidFill>
+              </a:rPr>
+              <a:t>”</a:t>
+            </a:r>
+            <a:r>
+              <a:rPr lang="zh-CN" altLang="en-US" sz="900">
+                <a:solidFill>
+                  <a:schemeClr val="tx1"/>
+                </a:solidFill>
+              </a:rPr>
+              <a:t>的形式，将两个</a:t>
+            </a:r>
+            <a:r>
+              <a:rPr lang="en-US" altLang="zh-CN" sz="900">
                 <a:solidFill>
                   <a:schemeClr val="tx1"/>
                 </a:solidFill>
@@ -5114,7 +5123,7 @@
               <a:t>stream</a:t>
             </a:r>
             <a:r>
-              <a:rPr lang="zh-CN" altLang="en-US" sz="2000">
+              <a:rPr lang="zh-CN" altLang="en-US" sz="900">
                 <a:solidFill>
                   <a:schemeClr val="tx1"/>
                 </a:solidFill>
@@ -5122,7 +5131,7 @@
               <a:t>的结果相减以达到去偏的目的。其中两个流分别为：</a:t>
             </a:r>
             <a:r>
-              <a:rPr lang="en-US" altLang="zh-CN" sz="2000">
+              <a:rPr lang="en-US" altLang="zh-CN" sz="900">
                 <a:solidFill>
                   <a:schemeClr val="tx1"/>
                 </a:solidFill>
@@ -5130,7 +5139,7 @@
               <a:t>appearance</a:t>
             </a:r>
             <a:r>
-              <a:rPr lang="zh-CN" altLang="en-US" sz="2000">
+              <a:rPr lang="zh-CN" altLang="en-US" sz="900">
                 <a:solidFill>
                   <a:schemeClr val="tx1"/>
                 </a:solidFill>
@@ -5138,7 +5147,7 @@
               <a:t>流，和</a:t>
             </a:r>
             <a:r>
-              <a:rPr lang="en-US" altLang="zh-CN" sz="2000">
+              <a:rPr lang="en-US" altLang="zh-CN" sz="900">
                 <a:solidFill>
                   <a:schemeClr val="tx1"/>
                 </a:solidFill>
@@ -5146,7 +5155,7 @@
               <a:t>fusion</a:t>
             </a:r>
             <a:r>
-              <a:rPr lang="zh-CN" altLang="en-US" sz="2000">
+              <a:rPr lang="zh-CN" altLang="en-US" sz="900">
                 <a:solidFill>
                   <a:schemeClr val="tx1"/>
                 </a:solidFill>
@@ -5154,7 +5163,7 @@
               <a:t>流。</a:t>
             </a:r>
             <a:r>
-              <a:rPr lang="en-US" altLang="zh-CN" sz="2000">
+              <a:rPr lang="en-US" altLang="zh-CN" sz="900">
                 <a:solidFill>
                   <a:schemeClr val="tx1"/>
                 </a:solidFill>
@@ -5162,7 +5171,7 @@
               <a:t>Appearance</a:t>
             </a:r>
             <a:r>
-              <a:rPr lang="zh-CN" altLang="en-US" sz="2000">
+              <a:rPr lang="zh-CN" altLang="en-US" sz="900">
                 <a:solidFill>
                   <a:schemeClr val="tx1"/>
                 </a:solidFill>
@@ -5170,7 +5179,7 @@
               <a:t>流是普通的整个视频提取特征，而</a:t>
             </a:r>
             <a:r>
-              <a:rPr lang="en-US" altLang="zh-CN" sz="2000">
+              <a:rPr lang="en-US" altLang="zh-CN" sz="900">
                 <a:solidFill>
                   <a:schemeClr val="tx1"/>
                 </a:solidFill>
@@ -5178,7 +5187,7 @@
               <a:t>fusion</a:t>
             </a:r>
             <a:r>
-              <a:rPr lang="zh-CN" altLang="en-US" sz="2000">
+              <a:rPr lang="zh-CN" altLang="en-US" sz="900">
                 <a:solidFill>
                   <a:schemeClr val="tx1"/>
                 </a:solidFill>
@@ -5186,7 +5195,7 @@
               <a:t>流类似于</a:t>
             </a:r>
             <a:r>
-              <a:rPr lang="en-US" altLang="zh-CN" sz="2000">
+              <a:rPr lang="en-US" altLang="zh-CN" sz="900">
                 <a:solidFill>
                   <a:schemeClr val="tx1"/>
                 </a:solidFill>
@@ -5194,7 +5203,7 @@
               <a:t>object track</a:t>
             </a:r>
             <a:r>
-              <a:rPr lang="zh-CN" altLang="en-US" sz="2000">
+              <a:rPr lang="zh-CN" altLang="en-US" sz="900">
                 <a:solidFill>
                   <a:schemeClr val="tx1"/>
                 </a:solidFill>
@@ -5202,7 +5211,7 @@
               <a:t>的特征提取，并且里面已经有了初步的</a:t>
             </a:r>
             <a:r>
-              <a:rPr lang="en-US" altLang="zh-CN" sz="2000">
+              <a:rPr lang="en-US" altLang="zh-CN" sz="900">
                 <a:solidFill>
                   <a:schemeClr val="tx1"/>
                 </a:solidFill>
@@ -5210,7 +5219,7 @@
               <a:t>mix up</a:t>
             </a:r>
             <a:r>
-              <a:rPr lang="zh-CN" altLang="en-US" sz="2000">
+              <a:rPr lang="zh-CN" altLang="en-US" sz="900">
                 <a:solidFill>
                   <a:schemeClr val="tx1"/>
                 </a:solidFill>
@@ -5218,7 +5227,7 @@
               <a:t>操作，不过是</a:t>
             </a:r>
             <a:r>
-              <a:rPr lang="en-US" altLang="zh-CN" sz="2000">
+              <a:rPr lang="en-US" altLang="zh-CN" sz="900">
                 <a:solidFill>
                   <a:schemeClr val="tx1"/>
                 </a:solidFill>
@@ -5226,30 +5235,14 @@
               <a:t>rgb</a:t>
             </a:r>
             <a:r>
-              <a:rPr lang="zh-CN" altLang="en-US" sz="2000">
-                <a:solidFill>
-                  <a:schemeClr val="tx1"/>
-                </a:solidFill>
-              </a:rPr>
-              <a:t>层面的。美中不足的是和</a:t>
-            </a:r>
-            <a:r>
-              <a:rPr lang="en-US" altLang="zh-CN" sz="2000">
-                <a:solidFill>
-                  <a:schemeClr val="tx1"/>
-                </a:solidFill>
-              </a:rPr>
-              <a:t>2021</a:t>
-            </a:r>
-            <a:r>
-              <a:rPr lang="zh-CN" altLang="en-US" sz="2000">
-                <a:solidFill>
-                  <a:schemeClr val="tx1"/>
-                </a:solidFill>
-              </a:rPr>
-              <a:t>的其它几篇比较效果没有特别惊艳。</a:t>
-            </a:r>
-            <a:endParaRPr lang="zh-CN" altLang="en-US" sz="2000">
+              <a:rPr lang="zh-CN" altLang="en-US" sz="900">
+                <a:solidFill>
+                  <a:schemeClr val="tx1"/>
+                </a:solidFill>
+              </a:rPr>
+              <a:t>层面的。</a:t>
+            </a:r>
+            <a:endParaRPr lang="zh-CN" altLang="en-US" sz="900">
               <a:solidFill>
                 <a:schemeClr val="tx1"/>
               </a:solidFill>
@@ -5259,7 +5252,7 @@
             <a:pPr marL="0" indent="0">
               <a:buNone/>
             </a:pPr>
-            <a:endParaRPr lang="zh-CN" altLang="en-US" sz="2000">
+            <a:endParaRPr lang="en-US" altLang="zh-CN" sz="900">
               <a:solidFill>
                 <a:schemeClr val="tx1"/>
               </a:solidFill>
@@ -5270,7 +5263,7 @@
               <a:buNone/>
             </a:pPr>
             <a:r>
-              <a:rPr lang="en-US" altLang="zh-CN" sz="2000">
+              <a:rPr lang="en-US" altLang="zh-CN" sz="900">
                 <a:solidFill>
                   <a:schemeClr val="tx1"/>
                 </a:solidFill>
@@ -5278,7 +5271,7 @@
               <a:t>3.4.9.</a:t>
             </a:r>
             <a:r>
-              <a:rPr lang="en-US" altLang="zh-CN" sz="2000">
+              <a:rPr lang="en-US" altLang="zh-CN" sz="900">
                 <a:solidFill>
                   <a:schemeClr val="tx1"/>
                 </a:solidFill>
@@ -5287,14 +5280,14 @@
               <a:t>MGAF</a:t>
             </a:r>
             <a:r>
-              <a:rPr lang="en-US" altLang="zh-CN" sz="2000">
+              <a:rPr lang="en-US" altLang="zh-CN" sz="900">
                 <a:solidFill>
                   <a:schemeClr val="tx1"/>
                 </a:solidFill>
               </a:rPr>
               <a:t> (68.0%): 2021 Motion Guided Attention Fusion to Recognize Interactions from Videos</a:t>
             </a:r>
-            <a:endParaRPr lang="en-US" altLang="zh-CN" sz="2000">
+            <a:endParaRPr lang="en-US" altLang="zh-CN" sz="900">
               <a:solidFill>
                 <a:schemeClr val="tx1"/>
               </a:solidFill>
@@ -5305,7 +5298,7 @@
               <a:buNone/>
             </a:pPr>
             <a:r>
-              <a:rPr lang="zh-CN" altLang="en-US" sz="2000">
+              <a:rPr lang="zh-CN" altLang="en-US" sz="900">
                 <a:solidFill>
                   <a:schemeClr val="tx1"/>
                 </a:solidFill>
@@ -5313,7 +5306,7 @@
               <a:t>其实这篇还是在讨论信息提取结构的问题，但是效果调的非常好。运用了一个双流结构，一个来提取</a:t>
             </a:r>
             <a:r>
-              <a:rPr lang="en-US" altLang="zh-CN" sz="2000">
+              <a:rPr lang="en-US" altLang="zh-CN" sz="900">
                 <a:solidFill>
                   <a:schemeClr val="tx1"/>
                 </a:solidFill>
@@ -5321,7 +5314,7 @@
               <a:t>appearance feature</a:t>
             </a:r>
             <a:r>
-              <a:rPr lang="zh-CN" altLang="en-US" sz="2000">
+              <a:rPr lang="zh-CN" altLang="en-US" sz="900">
                 <a:solidFill>
                   <a:schemeClr val="tx1"/>
                 </a:solidFill>
@@ -5329,7 +5322,7 @@
               <a:t>，另一个是</a:t>
             </a:r>
             <a:r>
-              <a:rPr lang="en-US" altLang="zh-CN" sz="2000">
+              <a:rPr lang="en-US" altLang="zh-CN" sz="900">
                 <a:solidFill>
                   <a:schemeClr val="tx1"/>
                 </a:solidFill>
@@ -5337,7 +5330,7 @@
               <a:t>motion</a:t>
             </a:r>
             <a:r>
-              <a:rPr lang="zh-CN" altLang="en-US" sz="2000">
+              <a:rPr lang="zh-CN" altLang="en-US" sz="900">
                 <a:solidFill>
                   <a:schemeClr val="tx1"/>
                 </a:solidFill>
@@ -5345,7 +5338,7 @@
               <a:t>的</a:t>
             </a:r>
             <a:r>
-              <a:rPr lang="en-US" altLang="zh-CN" sz="2000">
+              <a:rPr lang="en-US" altLang="zh-CN" sz="900">
                 <a:solidFill>
                   <a:schemeClr val="tx1"/>
                 </a:solidFill>
@@ -5353,14 +5346,140 @@
               <a:t>feature</a:t>
             </a:r>
             <a:r>
-              <a:rPr lang="zh-CN" altLang="en-US" sz="2000">
-                <a:solidFill>
-                  <a:schemeClr val="tx1"/>
-                </a:solidFill>
-              </a:rPr>
-              <a:t>。具体的思路我也记不清了，但是看模型图是怎么融合了几下吗？</a:t>
-            </a:r>
-            <a:endParaRPr lang="zh-CN" altLang="en-US" sz="2000">
+              <a:rPr lang="zh-CN" altLang="en-US" sz="900">
+                <a:solidFill>
+                  <a:schemeClr val="tx1"/>
+                </a:solidFill>
+              </a:rPr>
+              <a:t>。具体的融合方法忘了。</a:t>
+            </a:r>
+            <a:endParaRPr lang="zh-CN" altLang="en-US" sz="900">
+              <a:solidFill>
+                <a:schemeClr val="tx1"/>
+              </a:solidFill>
+            </a:endParaRPr>
+          </a:p>
+          <a:p>
+            <a:pPr marL="0" indent="0">
+              <a:buNone/>
+            </a:pPr>
+            <a:endParaRPr lang="en-US" altLang="zh-CN" sz="900">
+              <a:solidFill>
+                <a:schemeClr val="tx1"/>
+              </a:solidFill>
+            </a:endParaRPr>
+          </a:p>
+          <a:p>
+            <a:pPr marL="0" indent="0">
+              <a:buNone/>
+            </a:pPr>
+            <a:r>
+              <a:rPr lang="en-US" altLang="zh-CN" sz="900">
+                <a:solidFill>
+                  <a:schemeClr val="tx1"/>
+                </a:solidFill>
+              </a:rPr>
+              <a:t>3.4.10.</a:t>
+            </a:r>
+            <a:r>
+              <a:rPr lang="en-US" altLang="zh-CN" sz="900">
+                <a:solidFill>
+                  <a:schemeClr val="tx1"/>
+                </a:solidFill>
+                <a:hlinkClick r:id="rId5" action="ppaction://hlinkfile"/>
+              </a:rPr>
+              <a:t>LSTCL</a:t>
+            </a:r>
+            <a:r>
+              <a:rPr lang="en-US" altLang="zh-CN" sz="900">
+                <a:solidFill>
+                  <a:schemeClr val="tx1"/>
+                </a:solidFill>
+              </a:rPr>
+              <a:t>(67.0%): 2022 Long-Short Temporal Contrastive Learning of Video Transformers</a:t>
+            </a:r>
+            <a:endParaRPr lang="en-US" altLang="zh-CN" sz="900">
+              <a:solidFill>
+                <a:schemeClr val="tx1"/>
+              </a:solidFill>
+            </a:endParaRPr>
+          </a:p>
+          <a:p>
+            <a:pPr marL="0" indent="0">
+              <a:buNone/>
+            </a:pPr>
+            <a:r>
+              <a:rPr lang="zh-CN" altLang="en-US" sz="900">
+                <a:solidFill>
+                  <a:schemeClr val="tx1"/>
+                </a:solidFill>
+              </a:rPr>
+              <a:t>原本计划讲这篇的，结果因为时间问题，还没有读完：用自监督方法对于视频进行预训练。</a:t>
+            </a:r>
+            <a:endParaRPr lang="zh-CN" altLang="en-US" sz="900">
+              <a:solidFill>
+                <a:schemeClr val="tx1"/>
+              </a:solidFill>
+            </a:endParaRPr>
+          </a:p>
+          <a:p>
+            <a:pPr marL="0" indent="0">
+              <a:buNone/>
+            </a:pPr>
+            <a:endParaRPr lang="en-US" altLang="zh-CN" sz="900">
+              <a:solidFill>
+                <a:schemeClr val="tx1"/>
+              </a:solidFill>
+            </a:endParaRPr>
+          </a:p>
+          <a:p>
+            <a:pPr marL="0" indent="0">
+              <a:buNone/>
+            </a:pPr>
+            <a:r>
+              <a:rPr lang="en-US" altLang="zh-CN" sz="900">
+                <a:solidFill>
+                  <a:schemeClr val="tx1"/>
+                </a:solidFill>
+              </a:rPr>
+              <a:t>3.4.11.</a:t>
+            </a:r>
+            <a:r>
+              <a:rPr lang="en-US" sz="900">
+                <a:solidFill>
+                  <a:schemeClr val="tx1"/>
+                </a:solidFill>
+                <a:hlinkClick r:id="rId6" tooltip="" action="ppaction://hlinkfile"/>
+              </a:rPr>
+              <a:t>MViT</a:t>
+            </a:r>
+            <a:r>
+              <a:rPr lang="en-US" sz="900">
+                <a:solidFill>
+                  <a:schemeClr val="tx1"/>
+                </a:solidFill>
+              </a:rPr>
+              <a:t>(68.7%): 2021 Multiscale vision transformers</a:t>
+            </a:r>
+            <a:endParaRPr lang="en-US" sz="900">
+              <a:solidFill>
+                <a:schemeClr val="tx1"/>
+              </a:solidFill>
+            </a:endParaRPr>
+          </a:p>
+          <a:p>
+            <a:pPr marL="0" indent="0">
+              <a:buNone/>
+            </a:pPr>
+            <a:r>
+              <a:rPr lang="zh-CN" altLang="en-US" sz="900">
+                <a:solidFill>
+                  <a:schemeClr val="tx1"/>
+                </a:solidFill>
+              </a:rPr>
+              <a:t>效果做的最好的几篇之一，重要的比较网络。还没读。</a:t>
+            </a:r>
+            <a:endParaRPr lang="zh-CN" altLang="en-US" sz="900">
               <a:solidFill>
                 <a:schemeClr val="tx1"/>
               </a:solidFill>
@@ -5405,7 +5524,7 @@
       </p:sp>
     </p:spTree>
     <p:custDataLst>
-      <p:tags r:id="rId5"/>
+      <p:tags r:id="rId7"/>
     </p:custDataLst>
   </p:cSld>
   <p:clrMapOvr>
@@ -5468,7 +5587,7 @@
         </p:spPr>
         <p:txBody>
           <a:bodyPr>
-            <a:normAutofit fontScale="90000"/>
+            <a:normAutofit/>
           </a:bodyPr>
           <a:p>
             <a:r>
@@ -5655,7 +5774,7 @@
                   <a:schemeClr val="tx1"/>
                 </a:solidFill>
               </a:rPr>
-              <a:t>的方法，比如</a:t>
+              <a:t>的方法，比如尝试的</a:t>
             </a:r>
             <a:r>
               <a:rPr lang="en-US" altLang="zh-CN">
@@ -5663,7 +5782,7 @@
                   <a:schemeClr val="tx1"/>
                 </a:solidFill>
               </a:rPr>
-              <a:t>mentor</a:t>
+              <a:t>mixup</a:t>
             </a:r>
             <a:r>
               <a:rPr lang="zh-CN" altLang="en-US">
@@ -5671,7 +5790,7 @@
                   <a:schemeClr val="tx1"/>
                 </a:solidFill>
               </a:rPr>
-              <a:t>尝试的</a:t>
+              <a:t>在</a:t>
             </a:r>
             <a:r>
               <a:rPr lang="en-US" altLang="zh-CN">
@@ -5679,7 +5798,7 @@
                   <a:schemeClr val="tx1"/>
                 </a:solidFill>
               </a:rPr>
-              <a:t>mixup</a:t>
+              <a:t>CZSL</a:t>
             </a:r>
             <a:r>
               <a:rPr lang="zh-CN" altLang="en-US">
@@ -5687,55 +5806,7 @@
                   <a:schemeClr val="tx1"/>
                 </a:solidFill>
               </a:rPr>
-              <a:t>，本来想用语义来引导的，结果使用</a:t>
-            </a:r>
-            <a:r>
-              <a:rPr lang="en-US" altLang="zh-CN">
-                <a:solidFill>
-                  <a:schemeClr val="tx1"/>
-                </a:solidFill>
-              </a:rPr>
-              <a:t>ground truth</a:t>
-            </a:r>
-            <a:r>
-              <a:rPr lang="zh-CN" altLang="en-US">
-                <a:solidFill>
-                  <a:schemeClr val="tx1"/>
-                </a:solidFill>
-              </a:rPr>
-              <a:t>的语义效果都不是太好，所以目前有瓶颈。并且目前效果好点的</a:t>
-            </a:r>
-            <a:r>
-              <a:rPr lang="en-US" altLang="zh-CN">
-                <a:solidFill>
-                  <a:schemeClr val="tx1"/>
-                </a:solidFill>
-              </a:rPr>
-              <a:t>paper</a:t>
-            </a:r>
-            <a:r>
-              <a:rPr lang="zh-CN" altLang="en-US">
-                <a:solidFill>
-                  <a:schemeClr val="tx1"/>
-                </a:solidFill>
-              </a:rPr>
-              <a:t>基本都是</a:t>
-            </a:r>
-            <a:r>
-              <a:rPr lang="en-US" altLang="zh-CN">
-                <a:solidFill>
-                  <a:schemeClr val="tx1"/>
-                </a:solidFill>
-              </a:rPr>
-              <a:t>CZSL</a:t>
-            </a:r>
-            <a:r>
-              <a:rPr lang="zh-CN" altLang="en-US">
-                <a:solidFill>
-                  <a:schemeClr val="tx1"/>
-                </a:solidFill>
-              </a:rPr>
-              <a:t>的，我认为是图片和语义很容易对齐而视频很难的缘故。</a:t>
+              <a:t>效果比较好，视频不好，可能是图片和语义很容易对齐而视频很难的缘故。</a:t>
             </a:r>
             <a:endParaRPr lang="zh-CN" altLang="en-US">
               <a:solidFill>
@@ -5744,6 +5815,9 @@
             </a:endParaRPr>
           </a:p>
           <a:p>
+            <a:pPr marL="0" indent="0">
+              <a:buNone/>
+            </a:pPr>
             <a:endParaRPr lang="zh-CN" altLang="en-US">
               <a:solidFill>
                 <a:schemeClr val="tx1"/>
@@ -5780,77 +5854,6 @@
                   <a:schemeClr val="tx1"/>
                 </a:solidFill>
               </a:rPr>
-              <a:t>4.2.1.</a:t>
-            </a:r>
-            <a:r>
-              <a:rPr lang="zh-CN" altLang="en-US">
-                <a:solidFill>
-                  <a:schemeClr val="tx1"/>
-                </a:solidFill>
-              </a:rPr>
-              <a:t>直接基于分布相关的研究，</a:t>
-            </a:r>
-            <a:r>
-              <a:rPr lang="en-US" altLang="zh-CN">
-                <a:solidFill>
-                  <a:schemeClr val="tx1"/>
-                </a:solidFill>
-              </a:rPr>
-              <a:t>“</a:t>
-            </a:r>
-            <a:r>
-              <a:rPr lang="zh-CN" altLang="en-US">
-                <a:solidFill>
-                  <a:schemeClr val="tx1"/>
-                </a:solidFill>
-              </a:rPr>
-              <a:t>抛弃</a:t>
-            </a:r>
-            <a:r>
-              <a:rPr lang="en-US" altLang="zh-CN">
-                <a:solidFill>
-                  <a:schemeClr val="tx1"/>
-                </a:solidFill>
-              </a:rPr>
-              <a:t>”</a:t>
-            </a:r>
-            <a:r>
-              <a:rPr lang="zh-CN" altLang="en-US">
-                <a:solidFill>
-                  <a:schemeClr val="tx1"/>
-                </a:solidFill>
-              </a:rPr>
-              <a:t>任务本身的方法：</a:t>
-            </a:r>
-            <a:r>
-              <a:rPr lang="en-US" altLang="zh-CN">
-                <a:solidFill>
-                  <a:schemeClr val="tx1"/>
-                </a:solidFill>
-              </a:rPr>
-              <a:t>mentor</a:t>
-            </a:r>
-            <a:r>
-              <a:rPr lang="zh-CN" altLang="en-US">
-                <a:solidFill>
-                  <a:schemeClr val="tx1"/>
-                </a:solidFill>
-              </a:rPr>
-              <a:t>的建议是不要过于注重理论的研究模式，尽量结合任务，不然难度太大。</a:t>
-            </a:r>
-            <a:endParaRPr lang="zh-CN" altLang="en-US">
-              <a:solidFill>
-                <a:schemeClr val="tx1"/>
-              </a:solidFill>
-            </a:endParaRPr>
-          </a:p>
-          <a:p>
-            <a:r>
-              <a:rPr lang="en-US" altLang="zh-CN">
-                <a:solidFill>
-                  <a:schemeClr val="tx1"/>
-                </a:solidFill>
-              </a:rPr>
               <a:t>4.2.2.</a:t>
             </a:r>
             <a:r>
@@ -5859,47 +5862,7 @@
                   <a:schemeClr val="tx1"/>
                 </a:solidFill>
               </a:rPr>
-              <a:t>使用对比学习进行去偏差工作。不过我看的</a:t>
-            </a:r>
-            <a:r>
-              <a:rPr lang="en-US" altLang="zh-CN">
-                <a:solidFill>
-                  <a:schemeClr val="tx1"/>
-                </a:solidFill>
-              </a:rPr>
-              <a:t>paper</a:t>
-            </a:r>
-            <a:r>
-              <a:rPr lang="zh-CN" altLang="en-US">
-                <a:solidFill>
-                  <a:schemeClr val="tx1"/>
-                </a:solidFill>
-              </a:rPr>
-              <a:t>不太多</a:t>
-            </a:r>
-            <a:r>
-              <a:rPr lang="zh-CN">
-                <a:solidFill>
-                  <a:schemeClr val="tx1"/>
-                </a:solidFill>
-              </a:rPr>
-              <a:t>，有可能是我没看到。</a:t>
-            </a:r>
-            <a:r>
-              <a:rPr lang="en-US" altLang="zh-CN">
-                <a:solidFill>
-                  <a:schemeClr val="tx1"/>
-                </a:solidFill>
-              </a:rPr>
-              <a:t>mentor</a:t>
-            </a:r>
-            <a:r>
-              <a:rPr lang="zh-CN" altLang="en-US">
-                <a:solidFill>
-                  <a:schemeClr val="tx1"/>
-                </a:solidFill>
-              </a:rPr>
-              <a:t>的建议是这个方向逻辑上可能行，但是得先做实验看看效果。</a:t>
+              <a:t>使用对比学习进行去偏差工作。</a:t>
             </a:r>
             <a:endParaRPr lang="zh-CN" altLang="en-US">
               <a:solidFill>
@@ -5946,9 +5909,13 @@
           <a:p>
             <a:r>
               <a:rPr lang="en-US" altLang="zh-CN"/>
-              <a:t>5.Personal Perspectives</a:t>
-            </a:r>
-            <a:endParaRPr lang="en-US" altLang="zh-CN"/>
+              <a:t>5.</a:t>
+            </a:r>
+            <a:r>
+              <a:rPr lang="zh-CN" altLang="en-US"/>
+              <a:t>未来的思考方向</a:t>
+            </a:r>
+            <a:endParaRPr lang="zh-CN" altLang="en-US"/>
           </a:p>
         </p:txBody>
       </p:sp>
@@ -5970,76 +5937,12 @@
         </p:spPr>
         <p:txBody>
           <a:bodyPr>
-            <a:normAutofit/>
+            <a:normAutofit lnSpcReduction="20000"/>
           </a:bodyPr>
           <a:p>
             <a:pPr marL="0" indent="0">
               <a:buNone/>
             </a:pPr>
-            <a:r>
-              <a:rPr lang="en-US" altLang="zh-CN">
-                <a:solidFill>
-                  <a:schemeClr val="tx1"/>
-                </a:solidFill>
-              </a:rPr>
-              <a:t>1.</a:t>
-            </a:r>
-            <a:r>
-              <a:rPr lang="zh-CN" altLang="en-US">
-                <a:solidFill>
-                  <a:schemeClr val="tx1"/>
-                </a:solidFill>
-              </a:rPr>
-              <a:t>引入语义信息是很必要的。从信息角度来看，整个任务是一个对语义的预测（标签和</a:t>
-            </a:r>
-            <a:r>
-              <a:rPr lang="en-US" altLang="zh-CN">
-                <a:solidFill>
-                  <a:schemeClr val="tx1"/>
-                </a:solidFill>
-              </a:rPr>
-              <a:t>appearance</a:t>
-            </a:r>
-            <a:r>
-              <a:rPr lang="zh-CN" altLang="en-US">
-                <a:solidFill>
-                  <a:schemeClr val="tx1"/>
-                </a:solidFill>
-              </a:rPr>
-              <a:t>无法对齐的）。个人感觉可以从</a:t>
-            </a:r>
-            <a:r>
-              <a:rPr lang="en-US" altLang="zh-CN">
-                <a:solidFill>
-                  <a:schemeClr val="tx1"/>
-                </a:solidFill>
-              </a:rPr>
-              <a:t>appearance-&gt;composition</a:t>
-            </a:r>
-            <a:r>
-              <a:rPr lang="zh-CN" altLang="en-US">
-                <a:solidFill>
-                  <a:schemeClr val="tx1"/>
-                </a:solidFill>
-              </a:rPr>
-              <a:t>根本行不通，只能过拟合源域，加入语义可以推理目标域。但是</a:t>
-            </a:r>
-            <a:r>
-              <a:rPr lang="en-US" altLang="zh-CN">
-                <a:solidFill>
-                  <a:schemeClr val="tx1"/>
-                </a:solidFill>
-              </a:rPr>
-              <a:t>mixup</a:t>
-            </a:r>
-            <a:r>
-              <a:rPr lang="zh-CN" altLang="en-US">
-                <a:solidFill>
-                  <a:schemeClr val="tx1"/>
-                </a:solidFill>
-              </a:rPr>
-              <a:t>的效果似乎不是很好。</a:t>
-            </a:r>
             <a:endParaRPr lang="zh-CN" altLang="en-US">
               <a:solidFill>
                 <a:schemeClr val="tx1"/>
@@ -6051,116 +5954,12 @@
               <a:buNone/>
             </a:pPr>
             <a:r>
-              <a:rPr lang="en-US" altLang="zh-CN">
-                <a:solidFill>
-                  <a:schemeClr val="tx1"/>
-                </a:solidFill>
-              </a:rPr>
-              <a:t>2.</a:t>
-            </a:r>
-            <a:r>
               <a:rPr lang="zh-CN" altLang="en-US">
                 <a:solidFill>
                   <a:schemeClr val="tx1"/>
                 </a:solidFill>
               </a:rPr>
-              <a:t>对于去偏差的方式，可能从对比学习的方向来思考。对比学习的结构从逻辑上来看，</a:t>
-            </a:r>
-            <a:r>
-              <a:rPr lang="en-US" altLang="zh-CN">
-                <a:solidFill>
-                  <a:schemeClr val="tx1"/>
-                </a:solidFill>
-              </a:rPr>
-              <a:t>“</a:t>
-            </a:r>
-            <a:r>
-              <a:rPr lang="zh-CN" altLang="en-US">
-                <a:solidFill>
-                  <a:schemeClr val="tx1"/>
-                </a:solidFill>
-              </a:rPr>
-              <a:t>去偏差</a:t>
-            </a:r>
-            <a:r>
-              <a:rPr lang="en-US" altLang="zh-CN">
-                <a:solidFill>
-                  <a:schemeClr val="tx1"/>
-                </a:solidFill>
-              </a:rPr>
-              <a:t>”</a:t>
-            </a:r>
-            <a:r>
-              <a:rPr lang="zh-CN" altLang="en-US">
-                <a:solidFill>
-                  <a:schemeClr val="tx1"/>
-                </a:solidFill>
-              </a:rPr>
-              <a:t>这一点简单粗暴。过去的工作从很多复杂的方式来进行建模，人为的进行</a:t>
-            </a:r>
-            <a:r>
-              <a:rPr lang="en-US" altLang="zh-CN">
-                <a:solidFill>
-                  <a:schemeClr val="tx1"/>
-                </a:solidFill>
-              </a:rPr>
-              <a:t>object</a:t>
-            </a:r>
-            <a:r>
-              <a:rPr lang="zh-CN" altLang="en-US">
-                <a:solidFill>
-                  <a:schemeClr val="tx1"/>
-                </a:solidFill>
-              </a:rPr>
-              <a:t>的去偏工作，但是这些工作都是主观性很强的方法。对比学习如果能够合理建模，这种</a:t>
-            </a:r>
-            <a:r>
-              <a:rPr lang="en-US" altLang="zh-CN">
-                <a:solidFill>
-                  <a:schemeClr val="tx1"/>
-                </a:solidFill>
-              </a:rPr>
-              <a:t>object</a:t>
-            </a:r>
-            <a:r>
-              <a:rPr lang="zh-CN" altLang="en-US">
-                <a:solidFill>
-                  <a:schemeClr val="tx1"/>
-                </a:solidFill>
-              </a:rPr>
-              <a:t>的去偏工作甚至可以由模型自己完成。（目前的问题：</a:t>
-            </a:r>
-            <a:r>
-              <a:rPr lang="en-US" altLang="zh-CN">
-                <a:solidFill>
-                  <a:schemeClr val="tx1"/>
-                </a:solidFill>
-              </a:rPr>
-              <a:t>1.</a:t>
-            </a:r>
-            <a:r>
-              <a:rPr lang="zh-CN" altLang="en-US">
-                <a:solidFill>
-                  <a:schemeClr val="tx1"/>
-                </a:solidFill>
-              </a:rPr>
-              <a:t>如何选取正负样本</a:t>
-            </a:r>
-            <a:r>
-              <a:rPr lang="en-US" altLang="zh-CN">
-                <a:solidFill>
-                  <a:schemeClr val="tx1"/>
-                </a:solidFill>
-              </a:rPr>
-              <a:t> 2.</a:t>
-            </a:r>
-            <a:r>
-              <a:rPr lang="zh-CN" altLang="en-US">
-                <a:solidFill>
-                  <a:schemeClr val="tx1"/>
-                </a:solidFill>
-              </a:rPr>
-              <a:t>实验室的内存能否支撑实验，如何减少空间的复杂度）</a:t>
+              <a:t>总结思考方向：</a:t>
             </a:r>
             <a:endParaRPr lang="zh-CN" altLang="en-US">
               <a:solidFill>
@@ -6173,12 +5972,36 @@
               <a:buNone/>
             </a:pPr>
             <a:r>
+              <a:rPr lang="en-US" altLang="zh-CN">
+                <a:solidFill>
+                  <a:schemeClr val="tx1"/>
+                </a:solidFill>
+              </a:rPr>
+              <a:t>1.</a:t>
+            </a:r>
+            <a:r>
               <a:rPr lang="zh-CN" altLang="en-US">
                 <a:solidFill>
                   <a:schemeClr val="tx1"/>
                 </a:solidFill>
               </a:rPr>
-              <a:t>未来的思考方向：</a:t>
+              <a:t>生成式：通过一定的方法进行数据增强，使用不同的生成式方法来构造目标域中可能的组合。如</a:t>
+            </a:r>
+            <a:r>
+              <a:rPr lang="en-US" altLang="zh-CN">
+                <a:solidFill>
+                  <a:schemeClr val="tx1"/>
+                </a:solidFill>
+              </a:rPr>
+              <a:t>Mix Up</a:t>
+            </a:r>
+            <a:r>
+              <a:rPr lang="zh-CN" altLang="en-US">
+                <a:solidFill>
+                  <a:schemeClr val="tx1"/>
+                </a:solidFill>
+              </a:rPr>
+              <a:t>。</a:t>
             </a:r>
             <a:endParaRPr lang="zh-CN" altLang="en-US">
               <a:solidFill>
@@ -6196,7 +6019,7 @@
                   <a:schemeClr val="tx1"/>
                 </a:solidFill>
               </a:rPr>
-              <a:t>1.</a:t>
+              <a:t>2.</a:t>
             </a:r>
             <a:r>
               <a:rPr lang="zh-CN" altLang="en-US">
@@ -6204,7 +6027,7 @@
                   <a:schemeClr val="tx1"/>
                 </a:solidFill>
               </a:rPr>
-              <a:t>生成式：通过一定的方法进行数据增强，使用不同的生成式方法来构造目标域中可能的组合。如</a:t>
+              <a:t>语义推理式：通过语义推理来从源域向目标域进行拓展。如</a:t>
             </a:r>
             <a:r>
               <a:rPr lang="en-US" altLang="zh-CN">
@@ -6212,7 +6035,57 @@
                   <a:schemeClr val="tx1"/>
                 </a:solidFill>
               </a:rPr>
-              <a:t>Mix Up</a:t>
+              <a:t>ConsNet, OpenWorld</a:t>
+            </a:r>
+            <a:r>
+              <a:rPr lang="zh-CN" altLang="en-US">
+                <a:solidFill>
+                  <a:schemeClr val="tx1"/>
+                </a:solidFill>
+              </a:rPr>
+              <a:t>。</a:t>
+            </a:r>
+            <a:r>
+              <a:rPr lang="en-US" altLang="zh-CN">
+                <a:solidFill>
+                  <a:schemeClr val="tx1"/>
+                </a:solidFill>
+              </a:rPr>
+              <a:t> </a:t>
+            </a:r>
+            <a:endParaRPr lang="en-US" altLang="zh-CN">
+              <a:solidFill>
+                <a:schemeClr val="tx1"/>
+              </a:solidFill>
+            </a:endParaRPr>
+          </a:p>
+          <a:p>
+            <a:pPr marL="0" indent="0">
+              <a:buNone/>
+            </a:pPr>
+            <a:r>
+              <a:rPr lang="en-US" altLang="zh-CN">
+                <a:solidFill>
+                  <a:schemeClr val="tx1"/>
+                </a:solidFill>
+              </a:rPr>
+              <a:t>3.</a:t>
+            </a:r>
+            <a:r>
+              <a:rPr lang="zh-CN" altLang="en-US">
+                <a:solidFill>
+                  <a:schemeClr val="tx1"/>
+                </a:solidFill>
+              </a:rPr>
+              <a:t>度量学习式：通过在源域中针对度量方法进行学习，具备更好的泛化性。如</a:t>
+            </a:r>
+            <a:r>
+              <a:rPr lang="en-US" altLang="zh-CN">
+                <a:solidFill>
+                  <a:schemeClr val="tx1"/>
+                </a:solidFill>
+              </a:rPr>
+              <a:t>MoCo</a:t>
             </a:r>
             <a:r>
               <a:rPr lang="zh-CN" altLang="en-US">
@@ -6238,7 +6111,7 @@
                   <a:schemeClr val="tx1"/>
                 </a:solidFill>
               </a:rPr>
-              <a:t>2.</a:t>
+              <a:t>4.</a:t>
             </a:r>
             <a:r>
               <a:rPr lang="zh-CN" altLang="en-US">
@@ -6246,7 +6119,7 @@
                   <a:schemeClr val="tx1"/>
                 </a:solidFill>
               </a:rPr>
-              <a:t>语义推理式：通过语义推理来从源域向目标域进行拓展。如</a:t>
+              <a:t>结构去偏式：通过主观设计的结构进行</a:t>
             </a:r>
             <a:r>
               <a:rPr lang="en-US" altLang="zh-CN">
@@ -6254,7 +6127,7 @@
                   <a:schemeClr val="tx1"/>
                 </a:solidFill>
               </a:rPr>
-              <a:t>ConsNet, OpenWorld</a:t>
+              <a:t>object</a:t>
             </a:r>
             <a:r>
               <a:rPr lang="zh-CN" altLang="en-US">
@@ -6262,7 +6135,7 @@
                   <a:schemeClr val="tx1"/>
                 </a:solidFill>
               </a:rPr>
-              <a:t>。</a:t>
+              <a:t>有偏信息的删减。如孙学长和</a:t>
             </a:r>
             <a:r>
               <a:rPr lang="en-US" altLang="zh-CN">
@@ -6270,25 +6143,7 @@
                   <a:schemeClr val="tx1"/>
                 </a:solidFill>
               </a:rPr>
-              <a:t> </a:t>
-            </a:r>
-            <a:endParaRPr lang="en-US" altLang="zh-CN">
-              <a:solidFill>
-                <a:schemeClr val="tx1"/>
-              </a:solidFill>
-            </a:endParaRPr>
-          </a:p>
-          <a:p>
-            <a:pPr marL="0" indent="0">
-              <a:buNone/>
-            </a:pPr>
-            <a:r>
-              <a:rPr lang="en-US" altLang="zh-CN">
-                <a:solidFill>
-                  <a:schemeClr val="tx1"/>
-                </a:solidFill>
-              </a:rPr>
-              <a:t>3.</a:t>
+              <a:t>mentor</a:t>
             </a:r>
             <a:r>
               <a:rPr lang="zh-CN" altLang="en-US">
@@ -6296,23 +6151,7 @@
                   <a:schemeClr val="tx1"/>
                 </a:solidFill>
               </a:rPr>
-              <a:t>度量学习式：通过在源域中针对度量方法进行学习，具备更好的泛化性。如</a:t>
-            </a:r>
-            <a:r>
-              <a:rPr lang="en-US" altLang="zh-CN">
-                <a:solidFill>
-                  <a:schemeClr val="tx1"/>
-                </a:solidFill>
-              </a:rPr>
-              <a:t>MoCo</a:t>
-            </a:r>
-            <a:r>
-              <a:rPr lang="zh-CN" altLang="en-US">
-                <a:solidFill>
-                  <a:schemeClr val="tx1"/>
-                </a:solidFill>
-              </a:rPr>
-              <a:t>。</a:t>
+              <a:t>的那篇。</a:t>
             </a:r>
             <a:endParaRPr lang="zh-CN" altLang="en-US">
               <a:solidFill>
@@ -6330,7 +6169,7 @@
                   <a:schemeClr val="tx1"/>
                 </a:solidFill>
               </a:rPr>
-              <a:t>4.</a:t>
+              <a:t>5.</a:t>
             </a:r>
             <a:r>
               <a:rPr lang="zh-CN" altLang="en-US">
@@ -6338,7 +6177,7 @@
                   <a:schemeClr val="tx1"/>
                 </a:solidFill>
               </a:rPr>
-              <a:t>结构去偏式：通过主观设计的结构进行</a:t>
+              <a:t>对比学习去偏式（目前的工作方向）：通过对比学习去除</a:t>
             </a:r>
             <a:r>
               <a:rPr lang="en-US" altLang="zh-CN">
@@ -6354,23 +6193,7 @@
                   <a:schemeClr val="tx1"/>
                 </a:solidFill>
               </a:rPr>
-              <a:t>有偏信息的删减。如孙学长和</a:t>
-            </a:r>
-            <a:r>
-              <a:rPr lang="en-US" altLang="zh-CN">
-                <a:solidFill>
-                  <a:schemeClr val="tx1"/>
-                </a:solidFill>
-              </a:rPr>
-              <a:t>mentor</a:t>
-            </a:r>
-            <a:r>
-              <a:rPr lang="zh-CN" altLang="en-US">
-                <a:solidFill>
-                  <a:schemeClr val="tx1"/>
-                </a:solidFill>
-              </a:rPr>
-              <a:t>的那篇。</a:t>
+              <a:t>偏差。</a:t>
             </a:r>
             <a:endParaRPr lang="zh-CN" altLang="en-US">
               <a:solidFill>
@@ -6392,1912 +6215,6 @@
 </file>
 
 <file path=ppt/slides/slide14.xml><?xml version="1.0" encoding="utf-8"?>
-<p:sld xmlns:a="http://schemas.openxmlformats.org/drawingml/2006/main" xmlns:r="http://schemas.openxmlformats.org/officeDocument/2006/relationships" xmlns:p="http://schemas.openxmlformats.org/presentationml/2006/main">
-  <p:cSld>
-    <p:spTree>
-      <p:nvGrpSpPr>
-        <p:cNvPr id="1" name=""/>
-        <p:cNvGrpSpPr/>
-        <p:nvPr/>
-      </p:nvGrpSpPr>
-      <p:grpSpPr/>
-      <p:sp>
-        <p:nvSpPr>
-          <p:cNvPr id="2" name="标题 1"/>
-          <p:cNvSpPr>
-            <a:spLocks noGrp="1"/>
-          </p:cNvSpPr>
-          <p:nvPr>
-            <p:ph type="title"/>
-          </p:nvPr>
-        </p:nvSpPr>
-        <p:spPr>
-          <a:xfrm>
-            <a:off x="611575" y="179140"/>
-            <a:ext cx="10969200" cy="705600"/>
-          </a:xfrm>
-        </p:spPr>
-        <p:txBody>
-          <a:bodyPr/>
-          <a:p>
-            <a:r>
-              <a:rPr lang="en-US" altLang="zh-CN"/>
-              <a:t>Related Paper (</a:t>
-            </a:r>
-            <a:r>
-              <a:rPr lang="en-US" altLang="zh-CN">
-                <a:hlinkClick r:id="rId1" action="ppaction://hlinkfile"/>
-              </a:rPr>
-              <a:t>Full Version</a:t>
-            </a:r>
-            <a:r>
-              <a:rPr lang="en-US" altLang="zh-CN"/>
-              <a:t>)</a:t>
-            </a:r>
-            <a:endParaRPr lang="zh-CN" altLang="en-US"/>
-          </a:p>
-        </p:txBody>
-      </p:sp>
-      <p:sp>
-        <p:nvSpPr>
-          <p:cNvPr id="3" name="内容占位符 2"/>
-          <p:cNvSpPr>
-            <a:spLocks noGrp="1"/>
-          </p:cNvSpPr>
-          <p:nvPr>
-            <p:ph idx="1"/>
-          </p:nvPr>
-        </p:nvSpPr>
-        <p:spPr>
-          <a:xfrm>
-            <a:off x="105410" y="1019175"/>
-            <a:ext cx="11894820" cy="5753100"/>
-          </a:xfrm>
-        </p:spPr>
-        <p:txBody>
-          <a:bodyPr>
-            <a:normAutofit fontScale="85000"/>
-          </a:bodyPr>
-          <a:p>
-            <a:pPr marL="0" indent="0">
-              <a:buNone/>
-            </a:pPr>
-            <a:r>
-              <a:rPr lang="zh-CN" altLang="en-US">
-                <a:solidFill>
-                  <a:schemeClr val="tx1"/>
-                </a:solidFill>
-              </a:rPr>
-              <a:t>  </a:t>
-            </a:r>
-            <a:r>
-              <a:rPr lang="en-US" altLang="zh-CN">
-                <a:solidFill>
-                  <a:schemeClr val="tx1"/>
-                </a:solidFill>
-              </a:rPr>
-              <a:t>  </a:t>
-            </a:r>
-            <a:r>
-              <a:rPr lang="zh-CN" altLang="en-US">
-                <a:solidFill>
-                  <a:schemeClr val="tx1"/>
-                </a:solidFill>
-              </a:rPr>
-              <a:t>├─compositional action recognition</a:t>
-            </a:r>
-            <a:endParaRPr lang="zh-CN" altLang="en-US">
-              <a:solidFill>
-                <a:schemeClr val="tx1"/>
-              </a:solidFill>
-            </a:endParaRPr>
-          </a:p>
-          <a:p>
-            <a:pPr marL="0" indent="0">
-              <a:buNone/>
-            </a:pPr>
-            <a:r>
-              <a:rPr lang="en-US" altLang="zh-CN">
-                <a:solidFill>
-                  <a:schemeClr val="tx1"/>
-                </a:solidFill>
-              </a:rPr>
-              <a:t>    </a:t>
-            </a:r>
-            <a:r>
-              <a:rPr lang="zh-CN" altLang="en-US">
-                <a:solidFill>
-                  <a:schemeClr val="tx1"/>
-                </a:solidFill>
-              </a:rPr>
-              <a:t>│      2018 Scaling Egocentric Vision Scaling EPIC-KITCHENS Dataset.pdf</a:t>
-            </a:r>
-            <a:endParaRPr lang="zh-CN" altLang="en-US">
-              <a:solidFill>
-                <a:schemeClr val="tx1"/>
-              </a:solidFill>
-            </a:endParaRPr>
-          </a:p>
-          <a:p>
-            <a:pPr marL="0" indent="0">
-              <a:buNone/>
-            </a:pPr>
-            <a:r>
-              <a:rPr lang="zh-CN" altLang="en-US">
-                <a:solidFill>
-                  <a:schemeClr val="tx1"/>
-                </a:solidFill>
-              </a:rPr>
-              <a:t>    │      2018 Videos as Space-Time Region Graphs.pdf</a:t>
-            </a:r>
-            <a:endParaRPr lang="zh-CN" altLang="en-US">
-              <a:solidFill>
-                <a:schemeClr val="tx1"/>
-              </a:solidFill>
-            </a:endParaRPr>
-          </a:p>
-          <a:p>
-            <a:pPr marL="0" indent="0">
-              <a:buNone/>
-            </a:pPr>
-            <a:r>
-              <a:rPr lang="zh-CN" altLang="en-US">
-                <a:solidFill>
-                  <a:schemeClr val="tx1"/>
-                </a:solidFill>
-              </a:rPr>
-              <a:t>    │      2020 ConsNet Learning Consistency Graph for Zero-Shot.pdf</a:t>
-            </a:r>
-            <a:endParaRPr lang="zh-CN" altLang="en-US">
-              <a:solidFill>
-                <a:schemeClr val="tx1"/>
-              </a:solidFill>
-            </a:endParaRPr>
-          </a:p>
-          <a:p>
-            <a:pPr marL="0" indent="0">
-              <a:buNone/>
-            </a:pPr>
-            <a:r>
-              <a:rPr lang="zh-CN" altLang="en-US">
-                <a:solidFill>
-                  <a:schemeClr val="tx1"/>
-                </a:solidFill>
-              </a:rPr>
-              <a:t>    │      2020 Something-Else Compositional Action Recognition with Spatial-Temporal Interaction Networks.pdf</a:t>
-            </a:r>
-            <a:endParaRPr lang="zh-CN" altLang="en-US">
-              <a:solidFill>
-                <a:schemeClr val="tx1"/>
-              </a:solidFill>
-            </a:endParaRPr>
-          </a:p>
-          <a:p>
-            <a:pPr marL="0" indent="0">
-              <a:buNone/>
-            </a:pPr>
-            <a:r>
-              <a:rPr lang="zh-CN" altLang="en-US">
-                <a:solidFill>
-                  <a:schemeClr val="tx1"/>
-                </a:solidFill>
-              </a:rPr>
-              <a:t>    │      2020 Visual Compositional Learning for Human-Object Interaction Detection.pdf</a:t>
-            </a:r>
-            <a:endParaRPr lang="zh-CN" altLang="en-US">
-              <a:solidFill>
-                <a:schemeClr val="tx1"/>
-              </a:solidFill>
-            </a:endParaRPr>
-          </a:p>
-          <a:p>
-            <a:pPr marL="0" indent="0">
-              <a:buNone/>
-            </a:pPr>
-            <a:r>
-              <a:rPr lang="zh-CN" altLang="en-US">
-                <a:solidFill>
-                  <a:schemeClr val="tx1"/>
-                </a:solidFill>
-              </a:rPr>
-              <a:t>    │      2021 (MotionFormer) Keep Your Eye on the Ball Trajectory Attention in Video Transformers.pdf</a:t>
-            </a:r>
-            <a:endParaRPr lang="zh-CN" altLang="en-US">
-              <a:solidFill>
-                <a:schemeClr val="tx1"/>
-              </a:solidFill>
-            </a:endParaRPr>
-          </a:p>
-          <a:p>
-            <a:pPr marL="0" indent="0">
-              <a:buNone/>
-            </a:pPr>
-            <a:r>
-              <a:rPr lang="zh-CN" altLang="en-US">
-                <a:solidFill>
-                  <a:schemeClr val="tx1"/>
-                </a:solidFill>
-              </a:rPr>
-              <a:t>    │      2021 Detecting Human-Object Interaction via Fabricated Compositional Learning.pdf</a:t>
-            </a:r>
-            <a:endParaRPr lang="zh-CN" altLang="en-US">
-              <a:solidFill>
-                <a:schemeClr val="tx1"/>
-              </a:solidFill>
-            </a:endParaRPr>
-          </a:p>
-          <a:p>
-            <a:pPr marL="0" indent="0">
-              <a:buNone/>
-            </a:pPr>
-            <a:r>
-              <a:rPr lang="zh-CN" altLang="en-US">
-                <a:solidFill>
-                  <a:schemeClr val="tx1"/>
-                </a:solidFill>
-              </a:rPr>
-              <a:t>    │      2021 Exploiting Scene Graphs for Human-Object Interaction Detection.pdf</a:t>
-            </a:r>
-            <a:endParaRPr lang="zh-CN" altLang="en-US">
-              <a:solidFill>
-                <a:schemeClr val="tx1"/>
-              </a:solidFill>
-            </a:endParaRPr>
-          </a:p>
-          <a:p>
-            <a:pPr marL="0" indent="0">
-              <a:buNone/>
-            </a:pPr>
-            <a:r>
-              <a:rPr lang="zh-CN" altLang="en-US">
-                <a:solidFill>
-                  <a:schemeClr val="tx1"/>
-                </a:solidFill>
-              </a:rPr>
-              <a:t>    │      2021 Hand-Object Interaction Reasoning.pdf</a:t>
-            </a:r>
-            <a:endParaRPr lang="zh-CN" altLang="en-US">
-              <a:solidFill>
-                <a:schemeClr val="tx1"/>
-              </a:solidFill>
-            </a:endParaRPr>
-          </a:p>
-          <a:p>
-            <a:pPr marL="0" indent="0">
-              <a:buNone/>
-            </a:pPr>
-            <a:r>
-              <a:rPr lang="zh-CN" altLang="en-US">
-                <a:solidFill>
-                  <a:schemeClr val="tx1"/>
-                </a:solidFill>
-              </a:rPr>
-              <a:t>    │      2021 Motion Guided Attention Fusion to Recognize Interactions from Videos.pdf</a:t>
-            </a:r>
-            <a:endParaRPr lang="zh-CN" altLang="en-US">
-              <a:solidFill>
-                <a:schemeClr val="tx1"/>
-              </a:solidFill>
-            </a:endParaRPr>
-          </a:p>
-          <a:p>
-            <a:pPr marL="0" indent="0">
-              <a:buNone/>
-            </a:pPr>
-            <a:r>
-              <a:rPr lang="zh-CN" altLang="en-US">
-                <a:solidFill>
-                  <a:schemeClr val="tx1"/>
-                </a:solidFill>
-              </a:rPr>
-              <a:t>    │      2021 Reasoning About Human-Object Interactions Through Dual Attention Networks.pdf</a:t>
-            </a:r>
-            <a:endParaRPr lang="zh-CN" altLang="en-US">
-              <a:solidFill>
-                <a:schemeClr val="tx1"/>
-              </a:solidFill>
-            </a:endParaRPr>
-          </a:p>
-          <a:p>
-            <a:pPr marL="0" indent="0">
-              <a:buNone/>
-            </a:pPr>
-            <a:r>
-              <a:rPr lang="zh-CN" altLang="en-US">
-                <a:solidFill>
-                  <a:schemeClr val="tx1"/>
-                </a:solidFill>
-              </a:rPr>
-              <a:t>    │      2021 Revisiting spatio-temporal layouts for compositional action recognition.pdf</a:t>
-            </a:r>
-            <a:endParaRPr lang="zh-CN" altLang="en-US">
-              <a:solidFill>
-                <a:schemeClr val="tx1"/>
-              </a:solidFill>
-            </a:endParaRPr>
-          </a:p>
-          <a:p>
-            <a:endParaRPr lang="zh-CN" altLang="en-US">
-              <a:solidFill>
-                <a:schemeClr val="tx1"/>
-              </a:solidFill>
-            </a:endParaRPr>
-          </a:p>
-        </p:txBody>
-      </p:sp>
-    </p:spTree>
-    <p:custDataLst>
-      <p:tags r:id="rId2"/>
-    </p:custDataLst>
-  </p:cSld>
-  <p:clrMapOvr>
-    <a:masterClrMapping/>
-  </p:clrMapOvr>
-</p:sld>
-</file>
-
-<file path=ppt/slides/slide15.xml><?xml version="1.0" encoding="utf-8"?>
-<p:sld xmlns:a="http://schemas.openxmlformats.org/drawingml/2006/main" xmlns:r="http://schemas.openxmlformats.org/officeDocument/2006/relationships" xmlns:p="http://schemas.openxmlformats.org/presentationml/2006/main">
-  <p:cSld>
-    <p:spTree>
-      <p:nvGrpSpPr>
-        <p:cNvPr id="1" name=""/>
-        <p:cNvGrpSpPr/>
-        <p:nvPr/>
-      </p:nvGrpSpPr>
-      <p:grpSpPr/>
-      <p:sp>
-        <p:nvSpPr>
-          <p:cNvPr id="2" name="标题 1"/>
-          <p:cNvSpPr>
-            <a:spLocks noGrp="1"/>
-          </p:cNvSpPr>
-          <p:nvPr>
-            <p:ph type="title"/>
-          </p:nvPr>
-        </p:nvSpPr>
-        <p:spPr>
-          <a:xfrm>
-            <a:off x="611575" y="179140"/>
-            <a:ext cx="10969200" cy="705600"/>
-          </a:xfrm>
-        </p:spPr>
-        <p:txBody>
-          <a:bodyPr/>
-          <a:p>
-            <a:r>
-              <a:rPr lang="en-US" altLang="zh-CN"/>
-              <a:t>Related Paper</a:t>
-            </a:r>
-            <a:endParaRPr lang="en-US" altLang="zh-CN"/>
-          </a:p>
-        </p:txBody>
-      </p:sp>
-      <p:sp>
-        <p:nvSpPr>
-          <p:cNvPr id="3" name="内容占位符 2"/>
-          <p:cNvSpPr>
-            <a:spLocks noGrp="1"/>
-          </p:cNvSpPr>
-          <p:nvPr>
-            <p:ph idx="1"/>
-          </p:nvPr>
-        </p:nvSpPr>
-        <p:spPr>
-          <a:xfrm>
-            <a:off x="105410" y="1019175"/>
-            <a:ext cx="11894820" cy="5728335"/>
-          </a:xfrm>
-        </p:spPr>
-        <p:txBody>
-          <a:bodyPr>
-            <a:normAutofit fontScale="85000"/>
-          </a:bodyPr>
-          <a:p>
-            <a:pPr marL="0" indent="0">
-              <a:buNone/>
-            </a:pPr>
-            <a:r>
-              <a:rPr lang="zh-CN" altLang="en-US">
-                <a:solidFill>
-                  <a:schemeClr val="tx1"/>
-                </a:solidFill>
-                <a:sym typeface="+mn-ea"/>
-              </a:rPr>
-              <a:t>    │      2021 Spatially Conditioned Graphs for Detecting Human-Object Interactions.pdf</a:t>
-            </a:r>
-            <a:endParaRPr lang="zh-CN" altLang="en-US">
-              <a:solidFill>
-                <a:schemeClr val="tx1"/>
-              </a:solidFill>
-            </a:endParaRPr>
-          </a:p>
-          <a:p>
-            <a:pPr marL="0" indent="0">
-              <a:buNone/>
-            </a:pPr>
-            <a:r>
-              <a:rPr lang="zh-CN" altLang="en-US">
-                <a:solidFill>
-                  <a:schemeClr val="tx1"/>
-                </a:solidFill>
-                <a:sym typeface="+mn-ea"/>
-              </a:rPr>
-              <a:t>    │      2021 Spatio-Temporal Interaction Graph Parsing Networks for Human-Object Interaction Recognition.pdf</a:t>
-            </a:r>
-            <a:endParaRPr lang="zh-CN" altLang="en-US">
-              <a:solidFill>
-                <a:schemeClr val="tx1"/>
-              </a:solidFill>
-            </a:endParaRPr>
-          </a:p>
-          <a:p>
-            <a:pPr marL="0" indent="0">
-              <a:buNone/>
-            </a:pPr>
-            <a:r>
-              <a:rPr lang="zh-CN" altLang="en-US">
-                <a:solidFill>
-                  <a:schemeClr val="tx1"/>
-                </a:solidFill>
-                <a:sym typeface="+mn-ea"/>
-              </a:rPr>
-              <a:t>    │      2022 Highlighting Object Category Immunity for the Generalization of Human-Object Interaction Detection.pdf</a:t>
-            </a:r>
-            <a:endParaRPr lang="zh-CN" altLang="en-US">
-              <a:solidFill>
-                <a:schemeClr val="tx1"/>
-              </a:solidFill>
-            </a:endParaRPr>
-          </a:p>
-          <a:p>
-            <a:pPr marL="0" indent="0">
-              <a:buNone/>
-            </a:pPr>
-            <a:r>
-              <a:rPr lang="zh-CN" altLang="en-US">
-                <a:solidFill>
-                  <a:schemeClr val="tx1"/>
-                </a:solidFill>
-                <a:sym typeface="+mn-ea"/>
-              </a:rPr>
-              <a:t>    │      2022 Object-Region Video Transformer.pdf</a:t>
-            </a:r>
-            <a:endParaRPr lang="zh-CN" altLang="en-US">
-              <a:solidFill>
-                <a:schemeClr val="tx1"/>
-              </a:solidFill>
-            </a:endParaRPr>
-          </a:p>
-          <a:p>
-            <a:pPr marL="0" indent="0">
-              <a:buNone/>
-            </a:pPr>
-            <a:r>
-              <a:rPr lang="zh-CN" altLang="en-US">
-                <a:solidFill>
-                  <a:schemeClr val="tx1"/>
-                </a:solidFill>
-                <a:sym typeface="+mn-ea"/>
-              </a:rPr>
-              <a:t>    │      2022 THORN Temporal Human-Object Relation.pdf</a:t>
-            </a:r>
-            <a:endParaRPr lang="zh-CN" altLang="en-US">
-              <a:solidFill>
-                <a:schemeClr val="tx1"/>
-              </a:solidFill>
-            </a:endParaRPr>
-          </a:p>
-          <a:p>
-            <a:pPr marL="0" indent="0">
-              <a:buNone/>
-            </a:pPr>
-            <a:r>
-              <a:rPr lang="zh-CN" altLang="en-US">
-                <a:solidFill>
-                  <a:schemeClr val="tx1"/>
-                </a:solidFill>
-                <a:sym typeface="+mn-ea"/>
-              </a:rPr>
-              <a:t>    │</a:t>
-            </a:r>
-            <a:endParaRPr lang="zh-CN" altLang="en-US">
-              <a:solidFill>
-                <a:schemeClr val="tx1"/>
-              </a:solidFill>
-            </a:endParaRPr>
-          </a:p>
-          <a:p>
-            <a:pPr marL="0" indent="0">
-              <a:buNone/>
-            </a:pPr>
-            <a:r>
-              <a:rPr lang="zh-CN" altLang="en-US">
-                <a:solidFill>
-                  <a:schemeClr val="tx1"/>
-                </a:solidFill>
-                <a:sym typeface="+mn-ea"/>
-              </a:rPr>
-              <a:t>    ├─contrastive learning</a:t>
-            </a:r>
-            <a:endParaRPr lang="zh-CN" altLang="en-US">
-              <a:solidFill>
-                <a:schemeClr val="tx1"/>
-              </a:solidFill>
-            </a:endParaRPr>
-          </a:p>
-          <a:p>
-            <a:pPr marL="0" indent="0">
-              <a:buNone/>
-            </a:pPr>
-            <a:r>
-              <a:rPr lang="zh-CN" altLang="en-US">
-                <a:solidFill>
-                  <a:schemeClr val="tx1"/>
-                </a:solidFill>
-                <a:sym typeface="+mn-ea"/>
-              </a:rPr>
-              <a:t>    │      2020 (MoCo v2)Improved Baselines with Momentum Contrastive Learning.pdf</a:t>
-            </a:r>
-            <a:endParaRPr lang="zh-CN" altLang="en-US">
-              <a:solidFill>
-                <a:schemeClr val="tx1"/>
-              </a:solidFill>
-            </a:endParaRPr>
-          </a:p>
-          <a:p>
-            <a:pPr marL="0" indent="0">
-              <a:buNone/>
-            </a:pPr>
-            <a:r>
-              <a:rPr lang="zh-CN" altLang="en-US">
-                <a:solidFill>
-                  <a:schemeClr val="tx1"/>
-                </a:solidFill>
-                <a:sym typeface="+mn-ea"/>
-              </a:rPr>
-              <a:t>    │      2020 (MoCo)Momentum Contrast for Unsupervised Visual Representation Learning.pdf</a:t>
-            </a:r>
-            <a:endParaRPr lang="zh-CN" altLang="en-US">
-              <a:solidFill>
-                <a:schemeClr val="tx1"/>
-              </a:solidFill>
-            </a:endParaRPr>
-          </a:p>
-          <a:p>
-            <a:pPr marL="0" indent="0">
-              <a:buNone/>
-            </a:pPr>
-            <a:r>
-              <a:rPr lang="zh-CN" altLang="en-US">
-                <a:solidFill>
-                  <a:schemeClr val="tx1"/>
-                </a:solidFill>
-                <a:sym typeface="+mn-ea"/>
-              </a:rPr>
-              <a:t>    │      2021 (DIDN)Emerging Properties in Self-Supervised Vision Transformers.pdf</a:t>
-            </a:r>
-            <a:endParaRPr lang="zh-CN" altLang="en-US">
-              <a:solidFill>
-                <a:schemeClr val="tx1"/>
-              </a:solidFill>
-            </a:endParaRPr>
-          </a:p>
-          <a:p>
-            <a:pPr marL="0" indent="0">
-              <a:buNone/>
-            </a:pPr>
-            <a:r>
-              <a:rPr lang="zh-CN" altLang="en-US">
-                <a:solidFill>
-                  <a:schemeClr val="tx1"/>
-                </a:solidFill>
-                <a:sym typeface="+mn-ea"/>
-              </a:rPr>
-              <a:t>    │      2021 (MoCo v3)An Empirical Study of Training Self-Supervised Vision Transformers.pdf</a:t>
-            </a:r>
-            <a:endParaRPr lang="zh-CN" altLang="en-US">
-              <a:solidFill>
-                <a:schemeClr val="tx1"/>
-              </a:solidFill>
-            </a:endParaRPr>
-          </a:p>
-          <a:p>
-            <a:pPr marL="0" indent="0">
-              <a:buNone/>
-            </a:pPr>
-            <a:r>
-              <a:rPr lang="zh-CN" altLang="en-US">
-                <a:solidFill>
-                  <a:schemeClr val="tx1"/>
-                </a:solidFill>
-                <a:sym typeface="+mn-ea"/>
-              </a:rPr>
-              <a:t>    │</a:t>
-            </a:r>
-            <a:endParaRPr lang="zh-CN" altLang="en-US">
-              <a:solidFill>
-                <a:schemeClr val="tx1"/>
-              </a:solidFill>
-            </a:endParaRPr>
-          </a:p>
-          <a:p>
-            <a:pPr marL="0" indent="0">
-              <a:buNone/>
-            </a:pPr>
-            <a:endParaRPr lang="zh-CN" altLang="en-US">
-              <a:solidFill>
-                <a:schemeClr val="tx1"/>
-              </a:solidFill>
-            </a:endParaRPr>
-          </a:p>
-        </p:txBody>
-      </p:sp>
-    </p:spTree>
-    <p:custDataLst>
-      <p:tags r:id="rId1"/>
-    </p:custDataLst>
-  </p:cSld>
-  <p:clrMapOvr>
-    <a:masterClrMapping/>
-  </p:clrMapOvr>
-</p:sld>
-</file>
-
-<file path=ppt/slides/slide16.xml><?xml version="1.0" encoding="utf-8"?>
-<p:sld xmlns:a="http://schemas.openxmlformats.org/drawingml/2006/main" xmlns:r="http://schemas.openxmlformats.org/officeDocument/2006/relationships" xmlns:p="http://schemas.openxmlformats.org/presentationml/2006/main">
-  <p:cSld>
-    <p:spTree>
-      <p:nvGrpSpPr>
-        <p:cNvPr id="1" name=""/>
-        <p:cNvGrpSpPr/>
-        <p:nvPr/>
-      </p:nvGrpSpPr>
-      <p:grpSpPr/>
-      <p:sp>
-        <p:nvSpPr>
-          <p:cNvPr id="3" name="内容占位符 2"/>
-          <p:cNvSpPr>
-            <a:spLocks noGrp="1"/>
-          </p:cNvSpPr>
-          <p:nvPr>
-            <p:ph idx="1"/>
-          </p:nvPr>
-        </p:nvSpPr>
-        <p:spPr>
-          <a:xfrm>
-            <a:off x="635" y="785495"/>
-            <a:ext cx="11576685" cy="6071870"/>
-          </a:xfrm>
-        </p:spPr>
-        <p:txBody>
-          <a:bodyPr>
-            <a:normAutofit fontScale="55000"/>
-          </a:bodyPr>
-          <a:p>
-            <a:pPr marL="0" indent="0">
-              <a:buNone/>
-            </a:pPr>
-            <a:r>
-              <a:rPr lang="zh-CN" altLang="en-US">
-                <a:solidFill>
-                  <a:schemeClr val="tx1"/>
-                </a:solidFill>
-                <a:sym typeface="+mn-ea"/>
-              </a:rPr>
-              <a:t>    ├─general action understanding</a:t>
-            </a:r>
-            <a:endParaRPr lang="zh-CN" altLang="en-US">
-              <a:solidFill>
-                <a:schemeClr val="tx1"/>
-              </a:solidFill>
-            </a:endParaRPr>
-          </a:p>
-          <a:p>
-            <a:pPr marL="0" indent="0">
-              <a:buNone/>
-            </a:pPr>
-            <a:r>
-              <a:rPr lang="zh-CN" altLang="en-US">
-                <a:solidFill>
-                  <a:schemeClr val="tx1"/>
-                </a:solidFill>
-                <a:sym typeface="+mn-ea"/>
-              </a:rPr>
-              <a:t>    │  ├─2d-cnn-based</a:t>
-            </a:r>
-            <a:endParaRPr lang="zh-CN" altLang="en-US">
-              <a:solidFill>
-                <a:schemeClr val="tx1"/>
-              </a:solidFill>
-            </a:endParaRPr>
-          </a:p>
-          <a:p>
-            <a:pPr marL="0" indent="0">
-              <a:buNone/>
-            </a:pPr>
-            <a:r>
-              <a:rPr lang="zh-CN" altLang="en-US">
-                <a:solidFill>
-                  <a:schemeClr val="tx1"/>
-                </a:solidFill>
-                <a:sym typeface="+mn-ea"/>
-              </a:rPr>
-              <a:t>    │  │      2014 Two-Stream Convolutional Networks for Action Recognition in Videos.pdf</a:t>
-            </a:r>
-            <a:endParaRPr lang="zh-CN" altLang="en-US">
-              <a:solidFill>
-                <a:schemeClr val="tx1"/>
-              </a:solidFill>
-            </a:endParaRPr>
-          </a:p>
-          <a:p>
-            <a:pPr marL="0" indent="0">
-              <a:buNone/>
-            </a:pPr>
-            <a:r>
-              <a:rPr lang="zh-CN" altLang="en-US">
-                <a:solidFill>
-                  <a:schemeClr val="tx1"/>
-                </a:solidFill>
-                <a:sym typeface="+mn-ea"/>
-              </a:rPr>
-              <a:t>    │  │      2016 Temporal Segment Networks Towards Good Practices for Deep Action Recognition.pdf</a:t>
-            </a:r>
-            <a:endParaRPr lang="zh-CN" altLang="en-US">
-              <a:solidFill>
-                <a:schemeClr val="tx1"/>
-              </a:solidFill>
-            </a:endParaRPr>
-          </a:p>
-          <a:p>
-            <a:pPr marL="0" indent="0">
-              <a:buNone/>
-            </a:pPr>
-            <a:r>
-              <a:rPr lang="zh-CN" altLang="en-US">
-                <a:solidFill>
-                  <a:schemeClr val="tx1"/>
-                </a:solidFill>
-                <a:sym typeface="+mn-ea"/>
-              </a:rPr>
-              <a:t>    │  │      2019 Collaborative Spatiotemporal Feature Learning for Video Action Recognition.pdf</a:t>
-            </a:r>
-            <a:endParaRPr lang="zh-CN" altLang="en-US">
-              <a:solidFill>
-                <a:schemeClr val="tx1"/>
-              </a:solidFill>
-            </a:endParaRPr>
-          </a:p>
-          <a:p>
-            <a:pPr marL="0" indent="0">
-              <a:buNone/>
-            </a:pPr>
-            <a:r>
-              <a:rPr lang="zh-CN" altLang="en-US">
-                <a:solidFill>
-                  <a:schemeClr val="tx1"/>
-                </a:solidFill>
-                <a:sym typeface="+mn-ea"/>
-              </a:rPr>
-              <a:t>    │  │      2019 TSM Temporal Shift Module for Efficient Video Understanding.pdf</a:t>
-            </a:r>
-            <a:endParaRPr lang="zh-CN" altLang="en-US">
-              <a:solidFill>
-                <a:schemeClr val="tx1"/>
-              </a:solidFill>
-            </a:endParaRPr>
-          </a:p>
-          <a:p>
-            <a:pPr marL="0" indent="0">
-              <a:buNone/>
-            </a:pPr>
-            <a:r>
-              <a:rPr lang="zh-CN" altLang="en-US">
-                <a:solidFill>
-                  <a:schemeClr val="tx1"/>
-                </a:solidFill>
-                <a:sym typeface="+mn-ea"/>
-              </a:rPr>
-              <a:t>    │  │</a:t>
-            </a:r>
-            <a:endParaRPr lang="zh-CN" altLang="en-US">
-              <a:solidFill>
-                <a:schemeClr val="tx1"/>
-              </a:solidFill>
-            </a:endParaRPr>
-          </a:p>
-          <a:p>
-            <a:pPr marL="0" indent="0">
-              <a:buNone/>
-            </a:pPr>
-            <a:r>
-              <a:rPr lang="zh-CN" altLang="en-US">
-                <a:solidFill>
-                  <a:schemeClr val="tx1"/>
-                </a:solidFill>
-                <a:sym typeface="+mn-ea"/>
-              </a:rPr>
-              <a:t>    │  ├─3d-cnn-based</a:t>
-            </a:r>
-            <a:endParaRPr lang="zh-CN" altLang="en-US">
-              <a:solidFill>
-                <a:schemeClr val="tx1"/>
-              </a:solidFill>
-            </a:endParaRPr>
-          </a:p>
-          <a:p>
-            <a:pPr marL="0" indent="0">
-              <a:buNone/>
-            </a:pPr>
-            <a:r>
-              <a:rPr lang="zh-CN" altLang="en-US">
-                <a:solidFill>
-                  <a:schemeClr val="tx1"/>
-                </a:solidFill>
-                <a:sym typeface="+mn-ea"/>
-              </a:rPr>
-              <a:t>    │  │      2015 (C3D)Learning Spatiotemporal Features With 3D Convolutional Networks.pdf</a:t>
-            </a:r>
-            <a:endParaRPr lang="zh-CN" altLang="en-US">
-              <a:solidFill>
-                <a:schemeClr val="tx1"/>
-              </a:solidFill>
-            </a:endParaRPr>
-          </a:p>
-          <a:p>
-            <a:pPr marL="0" indent="0">
-              <a:buNone/>
-            </a:pPr>
-            <a:r>
-              <a:rPr lang="zh-CN" altLang="en-US">
-                <a:solidFill>
-                  <a:schemeClr val="tx1"/>
-                </a:solidFill>
-                <a:sym typeface="+mn-ea"/>
-              </a:rPr>
-              <a:t>    │  │      2017 (I3D)Quo Vadis, Action Recognition A New Model and the Kinetics Dataset.pdf</a:t>
-            </a:r>
-            <a:endParaRPr lang="zh-CN" altLang="en-US">
-              <a:solidFill>
-                <a:schemeClr val="tx1"/>
-              </a:solidFill>
-            </a:endParaRPr>
-          </a:p>
-          <a:p>
-            <a:pPr marL="0" indent="0">
-              <a:buNone/>
-            </a:pPr>
-            <a:r>
-              <a:rPr lang="zh-CN" altLang="en-US">
-                <a:solidFill>
-                  <a:schemeClr val="tx1"/>
-                </a:solidFill>
-                <a:sym typeface="+mn-ea"/>
-              </a:rPr>
-              <a:t>    │  │      2019 SlowFast Networks for Video Recognition.pdf</a:t>
-            </a:r>
-            <a:endParaRPr lang="zh-CN" altLang="en-US">
-              <a:solidFill>
-                <a:schemeClr val="tx1"/>
-              </a:solidFill>
-            </a:endParaRPr>
-          </a:p>
-          <a:p>
-            <a:pPr marL="0" indent="0">
-              <a:buNone/>
-            </a:pPr>
-            <a:r>
-              <a:rPr lang="zh-CN" altLang="en-US">
-                <a:solidFill>
-                  <a:schemeClr val="tx1"/>
-                </a:solidFill>
-                <a:sym typeface="+mn-ea"/>
-              </a:rPr>
-              <a:t>    │  │</a:t>
-            </a:r>
-            <a:endParaRPr lang="zh-CN" altLang="en-US">
-              <a:solidFill>
-                <a:schemeClr val="tx1"/>
-              </a:solidFill>
-            </a:endParaRPr>
-          </a:p>
-          <a:p>
-            <a:pPr marL="0" indent="0">
-              <a:buNone/>
-            </a:pPr>
-            <a:r>
-              <a:rPr lang="zh-CN" altLang="en-US">
-                <a:solidFill>
-                  <a:schemeClr val="tx1"/>
-                </a:solidFill>
-                <a:sym typeface="+mn-ea"/>
-              </a:rPr>
-              <a:t>    │  ├─gnn-based</a:t>
-            </a:r>
-            <a:endParaRPr lang="zh-CN" altLang="en-US">
-              <a:solidFill>
-                <a:schemeClr val="tx1"/>
-              </a:solidFill>
-            </a:endParaRPr>
-          </a:p>
-          <a:p>
-            <a:pPr marL="0" indent="0">
-              <a:buNone/>
-            </a:pPr>
-            <a:r>
-              <a:rPr lang="zh-CN" altLang="en-US">
-                <a:solidFill>
-                  <a:schemeClr val="tx1"/>
-                </a:solidFill>
-                <a:sym typeface="+mn-ea"/>
-              </a:rPr>
-              <a:t>    │  │      2018 Videos as Space-Time Region Graphs.pdf</a:t>
-            </a:r>
-            <a:endParaRPr lang="zh-CN" altLang="en-US">
-              <a:solidFill>
-                <a:schemeClr val="tx1"/>
-              </a:solidFill>
-            </a:endParaRPr>
-          </a:p>
-          <a:p>
-            <a:pPr marL="0" indent="0">
-              <a:buNone/>
-            </a:pPr>
-            <a:r>
-              <a:rPr lang="zh-CN" altLang="en-US">
-                <a:solidFill>
-                  <a:schemeClr val="tx1"/>
-                </a:solidFill>
-                <a:sym typeface="+mn-ea"/>
-              </a:rPr>
-              <a:t>    │  │      2021 Spatially Conditioned Graphs for Detecting Human-Object Interactions.pdf</a:t>
-            </a:r>
-            <a:endParaRPr lang="zh-CN" altLang="en-US">
-              <a:solidFill>
-                <a:schemeClr val="tx1"/>
-              </a:solidFill>
-            </a:endParaRPr>
-          </a:p>
-          <a:p>
-            <a:pPr marL="0" indent="0">
-              <a:buNone/>
-            </a:pPr>
-            <a:r>
-              <a:rPr lang="zh-CN" altLang="en-US">
-                <a:solidFill>
-                  <a:schemeClr val="tx1"/>
-                </a:solidFill>
-                <a:sym typeface="+mn-ea"/>
-              </a:rPr>
-              <a:t>    │  │</a:t>
-            </a:r>
-            <a:endParaRPr lang="zh-CN" altLang="en-US">
-              <a:solidFill>
-                <a:schemeClr val="tx1"/>
-              </a:solidFill>
-            </a:endParaRPr>
-          </a:p>
-          <a:p>
-            <a:pPr marL="0" indent="0">
-              <a:buNone/>
-            </a:pPr>
-            <a:r>
-              <a:rPr lang="zh-CN" altLang="en-US">
-                <a:solidFill>
-                  <a:schemeClr val="tx1"/>
-                </a:solidFill>
-                <a:sym typeface="+mn-ea"/>
-              </a:rPr>
-              <a:t>    │  └─transformer-based</a:t>
-            </a:r>
-            <a:endParaRPr lang="zh-CN" altLang="en-US">
-              <a:solidFill>
-                <a:schemeClr val="tx1"/>
-              </a:solidFill>
-            </a:endParaRPr>
-          </a:p>
-          <a:p>
-            <a:pPr marL="0" indent="0">
-              <a:buNone/>
-            </a:pPr>
-            <a:r>
-              <a:rPr lang="zh-CN" altLang="en-US">
-                <a:solidFill>
-                  <a:schemeClr val="tx1"/>
-                </a:solidFill>
-                <a:sym typeface="+mn-ea"/>
-              </a:rPr>
-              <a:t>    │          2019 Term Feature Banks for Detailed Video Understanding.pdf</a:t>
-            </a:r>
-            <a:endParaRPr lang="zh-CN" altLang="en-US">
-              <a:solidFill>
-                <a:schemeClr val="tx1"/>
-              </a:solidFill>
-            </a:endParaRPr>
-          </a:p>
-          <a:p>
-            <a:pPr marL="0" indent="0">
-              <a:buNone/>
-            </a:pPr>
-            <a:endParaRPr lang="zh-CN" altLang="en-US"/>
-          </a:p>
-        </p:txBody>
-      </p:sp>
-      <p:sp>
-        <p:nvSpPr>
-          <p:cNvPr id="4" name="标题 3"/>
-          <p:cNvSpPr>
-            <a:spLocks noGrp="1"/>
-          </p:cNvSpPr>
-          <p:nvPr>
-            <p:ph type="title"/>
-          </p:nvPr>
-        </p:nvSpPr>
-        <p:spPr>
-          <a:xfrm>
-            <a:off x="611575" y="179140"/>
-            <a:ext cx="10969200" cy="705600"/>
-          </a:xfrm>
-        </p:spPr>
-        <p:txBody>
-          <a:bodyPr/>
-          <a:p>
-            <a:r>
-              <a:rPr lang="en-US" altLang="zh-CN"/>
-              <a:t>Related Paper</a:t>
-            </a:r>
-            <a:endParaRPr lang="en-US" altLang="zh-CN"/>
-          </a:p>
-        </p:txBody>
-      </p:sp>
-    </p:spTree>
-    <p:custDataLst>
-      <p:tags r:id="rId1"/>
-    </p:custDataLst>
-  </p:cSld>
-  <p:clrMapOvr>
-    <a:masterClrMapping/>
-  </p:clrMapOvr>
-</p:sld>
-</file>
-
-<file path=ppt/slides/slide17.xml><?xml version="1.0" encoding="utf-8"?>
-<p:sld xmlns:a="http://schemas.openxmlformats.org/drawingml/2006/main" xmlns:r="http://schemas.openxmlformats.org/officeDocument/2006/relationships" xmlns:p="http://schemas.openxmlformats.org/presentationml/2006/main">
-  <p:cSld>
-    <p:spTree>
-      <p:nvGrpSpPr>
-        <p:cNvPr id="1" name=""/>
-        <p:cNvGrpSpPr/>
-        <p:nvPr/>
-      </p:nvGrpSpPr>
-      <p:grpSpPr/>
-      <p:sp>
-        <p:nvSpPr>
-          <p:cNvPr id="2" name="标题 1"/>
-          <p:cNvSpPr>
-            <a:spLocks noGrp="1"/>
-          </p:cNvSpPr>
-          <p:nvPr>
-            <p:ph type="title"/>
-          </p:nvPr>
-        </p:nvSpPr>
-        <p:spPr>
-          <a:xfrm>
-            <a:off x="611575" y="179140"/>
-            <a:ext cx="10969200" cy="705600"/>
-          </a:xfrm>
-        </p:spPr>
-        <p:txBody>
-          <a:bodyPr/>
-          <a:p>
-            <a:r>
-              <a:rPr lang="en-US" altLang="zh-CN"/>
-              <a:t>Related Paper</a:t>
-            </a:r>
-            <a:endParaRPr lang="en-US" altLang="zh-CN"/>
-          </a:p>
-        </p:txBody>
-      </p:sp>
-      <p:sp>
-        <p:nvSpPr>
-          <p:cNvPr id="3" name="内容占位符 2"/>
-          <p:cNvSpPr>
-            <a:spLocks noGrp="1"/>
-          </p:cNvSpPr>
-          <p:nvPr>
-            <p:ph idx="1"/>
-          </p:nvPr>
-        </p:nvSpPr>
-        <p:spPr>
-          <a:xfrm>
-            <a:off x="105410" y="1019175"/>
-            <a:ext cx="11894820" cy="5728335"/>
-          </a:xfrm>
-        </p:spPr>
-        <p:txBody>
-          <a:bodyPr>
-            <a:noAutofit/>
-          </a:bodyPr>
-          <a:p>
-            <a:pPr marL="0" indent="0">
-              <a:buNone/>
-            </a:pPr>
-            <a:r>
-              <a:rPr lang="zh-CN" altLang="en-US" sz="1100">
-                <a:solidFill>
-                  <a:schemeClr val="tx1"/>
-                </a:solidFill>
-                <a:sym typeface="+mn-ea"/>
-              </a:rPr>
-              <a:t>   │          2019 Video Action Transformer Network.pdf</a:t>
-            </a:r>
-            <a:endParaRPr lang="zh-CN" altLang="en-US" sz="1100">
-              <a:solidFill>
-                <a:schemeClr val="tx1"/>
-              </a:solidFill>
-            </a:endParaRPr>
-          </a:p>
-          <a:p>
-            <a:pPr marL="0" indent="0">
-              <a:buNone/>
-            </a:pPr>
-            <a:r>
-              <a:rPr lang="zh-CN" altLang="en-US" sz="1100">
-                <a:solidFill>
-                  <a:schemeClr val="tx1"/>
-                </a:solidFill>
-                <a:sym typeface="+mn-ea"/>
-              </a:rPr>
-              <a:t>    │          2021 Is Space-Time Attention All You Need for Video Understanding.pdf</a:t>
-            </a:r>
-            <a:endParaRPr lang="zh-CN" altLang="en-US" sz="1100">
-              <a:solidFill>
-                <a:schemeClr val="tx1"/>
-              </a:solidFill>
-            </a:endParaRPr>
-          </a:p>
-          <a:p>
-            <a:pPr marL="0" indent="0">
-              <a:buNone/>
-            </a:pPr>
-            <a:r>
-              <a:rPr lang="zh-CN" altLang="en-US" sz="1100">
-                <a:solidFill>
-                  <a:schemeClr val="tx1"/>
-                </a:solidFill>
-                <a:sym typeface="+mn-ea"/>
-              </a:rPr>
-              <a:t>    │          2021 Video Transformer Network.pdf</a:t>
-            </a:r>
-            <a:endParaRPr lang="zh-CN" altLang="en-US" sz="1100">
-              <a:solidFill>
-                <a:schemeClr val="tx1"/>
-              </a:solidFill>
-            </a:endParaRPr>
-          </a:p>
-          <a:p>
-            <a:pPr marL="0" indent="0">
-              <a:buNone/>
-            </a:pPr>
-            <a:r>
-              <a:rPr lang="zh-CN" altLang="en-US" sz="1100">
-                <a:solidFill>
-                  <a:schemeClr val="tx1"/>
-                </a:solidFill>
-                <a:sym typeface="+mn-ea"/>
-              </a:rPr>
-              <a:t>    │          2021 ViViT A Video Vision Transformer.pdf</a:t>
-            </a:r>
-            <a:endParaRPr lang="zh-CN" altLang="en-US" sz="1100">
-              <a:solidFill>
-                <a:schemeClr val="tx1"/>
-              </a:solidFill>
-            </a:endParaRPr>
-          </a:p>
-          <a:p>
-            <a:pPr marL="0" indent="0">
-              <a:buNone/>
-            </a:pPr>
-            <a:r>
-              <a:rPr lang="zh-CN" altLang="en-US" sz="1100">
-                <a:solidFill>
-                  <a:schemeClr val="tx1"/>
-                </a:solidFill>
-                <a:sym typeface="+mn-ea"/>
-              </a:rPr>
-              <a:t>    │</a:t>
-            </a:r>
-            <a:endParaRPr lang="zh-CN" altLang="en-US" sz="1100">
-              <a:solidFill>
-                <a:schemeClr val="tx1"/>
-              </a:solidFill>
-            </a:endParaRPr>
-          </a:p>
-          <a:p>
-            <a:pPr marL="0" indent="0">
-              <a:buNone/>
-            </a:pPr>
-            <a:r>
-              <a:rPr lang="zh-CN" altLang="en-US" sz="1100">
-                <a:solidFill>
-                  <a:schemeClr val="tx1"/>
-                </a:solidFill>
-                <a:sym typeface="+mn-ea"/>
-              </a:rPr>
-              <a:t>    ├─interaction</a:t>
-            </a:r>
-            <a:endParaRPr lang="zh-CN" altLang="en-US" sz="1100">
-              <a:solidFill>
-                <a:schemeClr val="tx1"/>
-              </a:solidFill>
-            </a:endParaRPr>
-          </a:p>
-          <a:p>
-            <a:pPr marL="0" indent="0">
-              <a:buNone/>
-            </a:pPr>
-            <a:r>
-              <a:rPr lang="zh-CN" altLang="en-US" sz="1100">
-                <a:solidFill>
-                  <a:schemeClr val="tx1"/>
-                </a:solidFill>
-                <a:sym typeface="+mn-ea"/>
-              </a:rPr>
-              <a:t>    │      2017 The “something something” video database.pdf</a:t>
-            </a:r>
-            <a:endParaRPr lang="zh-CN" altLang="en-US" sz="1100">
-              <a:solidFill>
-                <a:schemeClr val="tx1"/>
-              </a:solidFill>
-            </a:endParaRPr>
-          </a:p>
-          <a:p>
-            <a:pPr marL="0" indent="0">
-              <a:buNone/>
-            </a:pPr>
-            <a:r>
-              <a:rPr lang="zh-CN" altLang="en-US" sz="1100">
-                <a:solidFill>
-                  <a:schemeClr val="tx1"/>
-                </a:solidFill>
-                <a:sym typeface="+mn-ea"/>
-              </a:rPr>
-              <a:t>    │      2018 Detecting and Recognizing Human-Object Interactions.pdf</a:t>
-            </a:r>
-            <a:endParaRPr lang="zh-CN" altLang="en-US" sz="1100">
-              <a:solidFill>
-                <a:schemeClr val="tx1"/>
-              </a:solidFill>
-            </a:endParaRPr>
-          </a:p>
-          <a:p>
-            <a:pPr marL="0" indent="0">
-              <a:buNone/>
-            </a:pPr>
-            <a:r>
-              <a:rPr lang="zh-CN" altLang="en-US" sz="1100">
-                <a:solidFill>
-                  <a:schemeClr val="tx1"/>
-                </a:solidFill>
-                <a:sym typeface="+mn-ea"/>
-              </a:rPr>
-              <a:t>    │      2018 iCAN Instance-Centric Attention Network.pdf</a:t>
-            </a:r>
-            <a:endParaRPr lang="zh-CN" altLang="en-US" sz="1100">
-              <a:solidFill>
-                <a:schemeClr val="tx1"/>
-              </a:solidFill>
-            </a:endParaRPr>
-          </a:p>
-          <a:p>
-            <a:pPr marL="0" indent="0">
-              <a:buNone/>
-            </a:pPr>
-            <a:r>
-              <a:rPr lang="zh-CN" altLang="en-US" sz="1100">
-                <a:solidFill>
-                  <a:schemeClr val="tx1"/>
-                </a:solidFill>
-                <a:sym typeface="+mn-ea"/>
-              </a:rPr>
-              <a:t>    │      2018 Non-local Neural Networks.pdf</a:t>
-            </a:r>
-            <a:endParaRPr lang="zh-CN" altLang="en-US" sz="1100">
-              <a:solidFill>
-                <a:schemeClr val="tx1"/>
-              </a:solidFill>
-            </a:endParaRPr>
-          </a:p>
-          <a:p>
-            <a:pPr marL="0" indent="0">
-              <a:buNone/>
-            </a:pPr>
-            <a:r>
-              <a:rPr lang="zh-CN" altLang="en-US" sz="1100">
-                <a:solidFill>
-                  <a:schemeClr val="tx1"/>
-                </a:solidFill>
-                <a:sym typeface="+mn-ea"/>
-              </a:rPr>
-              <a:t>    │      2019 Detecting Unseen Visual Relations Using Analogies.pdf</a:t>
-            </a:r>
-            <a:endParaRPr lang="zh-CN" altLang="en-US" sz="1100">
-              <a:solidFill>
-                <a:schemeClr val="tx1"/>
-              </a:solidFill>
-            </a:endParaRPr>
-          </a:p>
-          <a:p>
-            <a:pPr marL="0" indent="0">
-              <a:buNone/>
-            </a:pPr>
-            <a:r>
-              <a:rPr lang="zh-CN" altLang="en-US" sz="1100">
-                <a:solidFill>
-                  <a:schemeClr val="tx1"/>
-                </a:solidFill>
-                <a:sym typeface="+mn-ea"/>
-              </a:rPr>
-              <a:t>    │      2019 Long-Term Feature Banks for Detailed Video Understanding.pdf</a:t>
-            </a:r>
-            <a:endParaRPr lang="zh-CN" altLang="en-US" sz="1100">
-              <a:solidFill>
-                <a:schemeClr val="tx1"/>
-              </a:solidFill>
-            </a:endParaRPr>
-          </a:p>
-          <a:p>
-            <a:pPr marL="0" indent="0">
-              <a:buNone/>
-            </a:pPr>
-            <a:r>
-              <a:rPr lang="zh-CN" altLang="en-US" sz="1100">
-                <a:solidFill>
-                  <a:schemeClr val="tx1"/>
-                </a:solidFill>
-                <a:sym typeface="+mn-ea"/>
-              </a:rPr>
-              <a:t>    │      2019 Transferable Interactiveness Knowledge for HOI.pdf</a:t>
-            </a:r>
-            <a:endParaRPr lang="zh-CN" altLang="en-US" sz="1100">
-              <a:solidFill>
-                <a:schemeClr val="tx1"/>
-              </a:solidFill>
-            </a:endParaRPr>
-          </a:p>
-          <a:p>
-            <a:pPr marL="0" indent="0">
-              <a:buNone/>
-            </a:pPr>
-            <a:r>
-              <a:rPr lang="zh-CN" altLang="en-US" sz="1100">
-                <a:solidFill>
-                  <a:schemeClr val="tx1"/>
-                </a:solidFill>
-                <a:sym typeface="+mn-ea"/>
-              </a:rPr>
-              <a:t>    │      2020 Human hands in contact.pdf</a:t>
-            </a:r>
-            <a:endParaRPr lang="zh-CN" altLang="en-US" sz="1100">
-              <a:solidFill>
-                <a:schemeClr val="tx1"/>
-              </a:solidFill>
-            </a:endParaRPr>
-          </a:p>
-          <a:p>
-            <a:pPr marL="0" indent="0">
-              <a:buNone/>
-            </a:pPr>
-            <a:r>
-              <a:rPr lang="zh-CN" altLang="en-US" sz="1100">
-                <a:solidFill>
-                  <a:schemeClr val="tx1"/>
-                </a:solidFill>
-                <a:sym typeface="+mn-ea"/>
-              </a:rPr>
-              <a:t>    │      2021 Motion Guided Attention Fusion to Recognize Interactions from Videos.pdf</a:t>
-            </a:r>
-            <a:endParaRPr lang="zh-CN" altLang="en-US" sz="1100">
-              <a:solidFill>
-                <a:schemeClr val="tx1"/>
-              </a:solidFill>
-            </a:endParaRPr>
-          </a:p>
-          <a:p>
-            <a:pPr marL="0" indent="0">
-              <a:buNone/>
-            </a:pPr>
-            <a:r>
-              <a:rPr lang="zh-CN" altLang="en-US" sz="1100">
-                <a:solidFill>
-                  <a:schemeClr val="tx1"/>
-                </a:solidFill>
-                <a:sym typeface="+mn-ea"/>
-              </a:rPr>
-              <a:t>    │      2021 Objetc-Region Video Transformer.pdf</a:t>
-            </a:r>
-            <a:endParaRPr lang="zh-CN" altLang="en-US" sz="1100">
-              <a:solidFill>
-                <a:schemeClr val="tx1"/>
-              </a:solidFill>
-            </a:endParaRPr>
-          </a:p>
-          <a:p>
-            <a:pPr marL="0" indent="0">
-              <a:buNone/>
-            </a:pPr>
-            <a:endParaRPr lang="zh-CN" altLang="en-US" sz="600">
-              <a:solidFill>
-                <a:schemeClr val="tx1"/>
-              </a:solidFill>
-            </a:endParaRPr>
-          </a:p>
-        </p:txBody>
-      </p:sp>
-    </p:spTree>
-    <p:custDataLst>
-      <p:tags r:id="rId1"/>
-    </p:custDataLst>
-  </p:cSld>
-  <p:clrMapOvr>
-    <a:masterClrMapping/>
-  </p:clrMapOvr>
-</p:sld>
-</file>
-
-<file path=ppt/slides/slide18.xml><?xml version="1.0" encoding="utf-8"?>
-<p:sld xmlns:a="http://schemas.openxmlformats.org/drawingml/2006/main" xmlns:r="http://schemas.openxmlformats.org/officeDocument/2006/relationships" xmlns:p="http://schemas.openxmlformats.org/presentationml/2006/main">
-  <p:cSld>
-    <p:spTree>
-      <p:nvGrpSpPr>
-        <p:cNvPr id="1" name=""/>
-        <p:cNvGrpSpPr/>
-        <p:nvPr/>
-      </p:nvGrpSpPr>
-      <p:grpSpPr/>
-      <p:sp>
-        <p:nvSpPr>
-          <p:cNvPr id="2" name="标题 1"/>
-          <p:cNvSpPr>
-            <a:spLocks noGrp="1"/>
-          </p:cNvSpPr>
-          <p:nvPr>
-            <p:ph type="title"/>
-          </p:nvPr>
-        </p:nvSpPr>
-        <p:spPr>
-          <a:xfrm>
-            <a:off x="611575" y="179140"/>
-            <a:ext cx="10969200" cy="705600"/>
-          </a:xfrm>
-        </p:spPr>
-        <p:txBody>
-          <a:bodyPr/>
-          <a:p>
-            <a:r>
-              <a:rPr lang="en-US" altLang="zh-CN"/>
-              <a:t>Related Paper</a:t>
-            </a:r>
-            <a:endParaRPr lang="en-US" altLang="zh-CN"/>
-          </a:p>
-        </p:txBody>
-      </p:sp>
-      <p:sp>
-        <p:nvSpPr>
-          <p:cNvPr id="3" name="内容占位符 2"/>
-          <p:cNvSpPr>
-            <a:spLocks noGrp="1"/>
-          </p:cNvSpPr>
-          <p:nvPr>
-            <p:ph idx="1"/>
-          </p:nvPr>
-        </p:nvSpPr>
-        <p:spPr>
-          <a:xfrm>
-            <a:off x="0" y="812800"/>
-            <a:ext cx="12191365" cy="5984875"/>
-          </a:xfrm>
-        </p:spPr>
-        <p:txBody>
-          <a:bodyPr>
-            <a:noAutofit/>
-          </a:bodyPr>
-          <a:p>
-            <a:pPr marL="0" indent="0">
-              <a:buNone/>
-            </a:pPr>
-            <a:r>
-              <a:rPr lang="zh-CN" altLang="en-US" sz="900">
-                <a:solidFill>
-                  <a:schemeClr val="tx1"/>
-                </a:solidFill>
-                <a:sym typeface="+mn-ea"/>
-              </a:rPr>
-              <a:t>   │      2021 Transferable Interactiveness Knowledge for Human-Object Interaction Detection.pdf</a:t>
-            </a:r>
-            <a:endParaRPr lang="zh-CN" altLang="en-US" sz="900">
-              <a:solidFill>
-                <a:schemeClr val="tx1"/>
-              </a:solidFill>
-            </a:endParaRPr>
-          </a:p>
-          <a:p>
-            <a:pPr marL="0" indent="0">
-              <a:buNone/>
-            </a:pPr>
-            <a:r>
-              <a:rPr lang="zh-CN" altLang="en-US" sz="900">
-                <a:solidFill>
-                  <a:schemeClr val="tx1"/>
-                </a:solidFill>
-                <a:sym typeface="+mn-ea"/>
-              </a:rPr>
-              <a:t>    │</a:t>
-            </a:r>
-            <a:endParaRPr lang="zh-CN" altLang="en-US" sz="900">
-              <a:solidFill>
-                <a:schemeClr val="tx1"/>
-              </a:solidFill>
-            </a:endParaRPr>
-          </a:p>
-          <a:p>
-            <a:pPr marL="0" indent="0">
-              <a:buNone/>
-            </a:pPr>
-            <a:r>
-              <a:rPr lang="zh-CN" altLang="en-US" sz="900">
-                <a:solidFill>
-                  <a:schemeClr val="tx1"/>
-                </a:solidFill>
-                <a:sym typeface="+mn-ea"/>
-              </a:rPr>
-              <a:t>    ├─long tail</a:t>
-            </a:r>
-            <a:endParaRPr lang="zh-CN" altLang="en-US" sz="900">
-              <a:solidFill>
-                <a:schemeClr val="tx1"/>
-              </a:solidFill>
-            </a:endParaRPr>
-          </a:p>
-          <a:p>
-            <a:pPr marL="0" indent="0">
-              <a:buNone/>
-            </a:pPr>
-            <a:r>
-              <a:rPr lang="zh-CN" altLang="en-US" sz="900">
-                <a:solidFill>
-                  <a:schemeClr val="tx1"/>
-                </a:solidFill>
-                <a:sym typeface="+mn-ea"/>
-              </a:rPr>
-              <a:t>    │      2018 mixup BEYOND EMPIRICAL RISK MINIMIZATION.pdf</a:t>
-            </a:r>
-            <a:endParaRPr lang="zh-CN" altLang="en-US" sz="900">
-              <a:solidFill>
-                <a:schemeClr val="tx1"/>
-              </a:solidFill>
-            </a:endParaRPr>
-          </a:p>
-          <a:p>
-            <a:pPr marL="0" indent="0">
-              <a:buNone/>
-            </a:pPr>
-            <a:r>
-              <a:rPr lang="zh-CN" altLang="en-US" sz="900">
-                <a:solidFill>
-                  <a:schemeClr val="tx1"/>
-                </a:solidFill>
-                <a:sym typeface="+mn-ea"/>
-              </a:rPr>
-              <a:t>    │      2021 VideoLT Large-scale Long-tailed Video Recognition.pdf</a:t>
-            </a:r>
-            <a:endParaRPr lang="zh-CN" altLang="en-US" sz="900">
-              <a:solidFill>
-                <a:schemeClr val="tx1"/>
-              </a:solidFill>
-            </a:endParaRPr>
-          </a:p>
-          <a:p>
-            <a:pPr marL="0" indent="0">
-              <a:buNone/>
-            </a:pPr>
-            <a:r>
-              <a:rPr lang="zh-CN" altLang="en-US" sz="900">
-                <a:solidFill>
-                  <a:schemeClr val="tx1"/>
-                </a:solidFill>
-                <a:sym typeface="+mn-ea"/>
-              </a:rPr>
-              <a:t>    │</a:t>
-            </a:r>
-            <a:endParaRPr lang="zh-CN" altLang="en-US" sz="900">
-              <a:solidFill>
-                <a:schemeClr val="tx1"/>
-              </a:solidFill>
-            </a:endParaRPr>
-          </a:p>
-          <a:p>
-            <a:pPr marL="0" indent="0">
-              <a:buNone/>
-            </a:pPr>
-            <a:r>
-              <a:rPr lang="zh-CN" altLang="en-US" sz="900">
-                <a:solidFill>
-                  <a:schemeClr val="tx1"/>
-                </a:solidFill>
-                <a:sym typeface="+mn-ea"/>
-              </a:rPr>
-              <a:t>    └─zero-shot learning</a:t>
-            </a:r>
-            <a:endParaRPr lang="zh-CN" altLang="en-US" sz="900">
-              <a:solidFill>
-                <a:schemeClr val="tx1"/>
-              </a:solidFill>
-            </a:endParaRPr>
-          </a:p>
-          <a:p>
-            <a:pPr marL="0" indent="0">
-              <a:buNone/>
-            </a:pPr>
-            <a:r>
-              <a:rPr lang="zh-CN" altLang="en-US" sz="900">
-                <a:solidFill>
-                  <a:schemeClr val="tx1"/>
-                </a:solidFill>
-                <a:sym typeface="+mn-ea"/>
-              </a:rPr>
-              <a:t>            2017 Model-Agnostic Meta-Learning for Fast Adaptation of Deep Networks.pdf</a:t>
-            </a:r>
-            <a:endParaRPr lang="zh-CN" altLang="en-US" sz="900">
-              <a:solidFill>
-                <a:schemeClr val="tx1"/>
-              </a:solidFill>
-            </a:endParaRPr>
-          </a:p>
-          <a:p>
-            <a:pPr marL="0" indent="0">
-              <a:buNone/>
-            </a:pPr>
-            <a:r>
-              <a:rPr lang="zh-CN" altLang="en-US" sz="900">
-                <a:solidFill>
-                  <a:schemeClr val="tx1"/>
-                </a:solidFill>
-                <a:sym typeface="+mn-ea"/>
-              </a:rPr>
-              <a:t>            2019 HOW TO TRAIN YOUR MAML.pdf</a:t>
-            </a:r>
-            <a:endParaRPr lang="zh-CN" altLang="en-US" sz="900">
-              <a:solidFill>
-                <a:schemeClr val="tx1"/>
-              </a:solidFill>
-            </a:endParaRPr>
-          </a:p>
-          <a:p>
-            <a:pPr marL="0" indent="0">
-              <a:buNone/>
-            </a:pPr>
-            <a:r>
-              <a:rPr lang="zh-CN" altLang="en-US" sz="900">
-                <a:solidFill>
-                  <a:schemeClr val="tx1"/>
-                </a:solidFill>
-                <a:sym typeface="+mn-ea"/>
-              </a:rPr>
-              <a:t>            2021 Cluster_Split_Fuse_and_Update_Meta-Learning for Open Compound Domain.pdf</a:t>
-            </a:r>
-            <a:endParaRPr lang="zh-CN" altLang="en-US" sz="900">
-              <a:solidFill>
-                <a:schemeClr val="tx1"/>
-              </a:solidFill>
-            </a:endParaRPr>
-          </a:p>
-          <a:p>
-            <a:pPr marL="0" indent="0">
-              <a:buNone/>
-            </a:pPr>
-            <a:r>
-              <a:rPr lang="zh-CN" altLang="en-US" sz="900">
-                <a:solidFill>
-                  <a:schemeClr val="tx1"/>
-                </a:solidFill>
-                <a:sym typeface="+mn-ea"/>
-              </a:rPr>
-              <a:t>            2021 HOW TO TRAIN YOUR MAML TO EXCEL IN FEW-SHOT CLASSIFICATION.pdf</a:t>
-            </a:r>
-            <a:endParaRPr lang="zh-CN" altLang="en-US" sz="900">
-              <a:solidFill>
-                <a:schemeClr val="tx1"/>
-              </a:solidFill>
-            </a:endParaRPr>
-          </a:p>
-          <a:p>
-            <a:pPr marL="0" indent="0">
-              <a:buNone/>
-            </a:pPr>
-            <a:r>
-              <a:rPr lang="zh-CN" altLang="en-US" sz="900">
-                <a:solidFill>
-                  <a:schemeClr val="tx1"/>
-                </a:solidFill>
-                <a:sym typeface="+mn-ea"/>
-              </a:rPr>
-              <a:t>            2021 Knowledge-aware Zero-Shot Learning Survey and Perspective.pdf</a:t>
-            </a:r>
-            <a:endParaRPr lang="zh-CN" altLang="en-US" sz="900">
-              <a:solidFill>
-                <a:schemeClr val="tx1"/>
-              </a:solidFill>
-            </a:endParaRPr>
-          </a:p>
-          <a:p>
-            <a:pPr marL="0" indent="0">
-              <a:buNone/>
-            </a:pPr>
-            <a:r>
-              <a:rPr lang="zh-CN" altLang="en-US" sz="900">
-                <a:solidFill>
-                  <a:schemeClr val="tx1"/>
-                </a:solidFill>
-                <a:sym typeface="+mn-ea"/>
-              </a:rPr>
-              <a:t>            2021 Learning Graph Embeddings for Compositional Zero-shot Learning.pdf</a:t>
-            </a:r>
-            <a:endParaRPr lang="zh-CN" altLang="en-US" sz="900">
-              <a:solidFill>
-                <a:schemeClr val="tx1"/>
-              </a:solidFill>
-            </a:endParaRPr>
-          </a:p>
-          <a:p>
-            <a:pPr marL="0" indent="0">
-              <a:buNone/>
-            </a:pPr>
-            <a:r>
-              <a:rPr lang="zh-CN" altLang="en-US" sz="900">
-                <a:solidFill>
-                  <a:schemeClr val="tx1"/>
-                </a:solidFill>
-                <a:sym typeface="+mn-ea"/>
-              </a:rPr>
-              <a:t>            2021 Meta-Learning with Task-Adaptive Loss Function for Few-Shot Learning.pdf</a:t>
-            </a:r>
-            <a:endParaRPr lang="zh-CN" altLang="en-US" sz="900">
-              <a:solidFill>
-                <a:schemeClr val="tx1"/>
-              </a:solidFill>
-            </a:endParaRPr>
-          </a:p>
-          <a:p>
-            <a:pPr marL="0" indent="0">
-              <a:buNone/>
-            </a:pPr>
-            <a:r>
-              <a:rPr lang="zh-CN" altLang="en-US" sz="900">
-                <a:solidFill>
-                  <a:schemeClr val="tx1"/>
-                </a:solidFill>
-                <a:sym typeface="+mn-ea"/>
-              </a:rPr>
-              <a:t>            2021 Multimodality in Meta-Learning A Comprehensive Survey.pdf</a:t>
-            </a:r>
-            <a:endParaRPr lang="zh-CN" altLang="en-US" sz="900">
-              <a:solidFill>
-                <a:schemeClr val="tx1"/>
-              </a:solidFill>
-            </a:endParaRPr>
-          </a:p>
-          <a:p>
-            <a:pPr marL="0" indent="0">
-              <a:buNone/>
-            </a:pPr>
-            <a:r>
-              <a:rPr lang="zh-CN" altLang="en-US" sz="900">
-                <a:solidFill>
-                  <a:schemeClr val="tx1"/>
-                </a:solidFill>
-                <a:sym typeface="+mn-ea"/>
-              </a:rPr>
-              <a:t>            2021 Open World Compositional Zero-Shot Learning.pdf</a:t>
-            </a:r>
-            <a:endParaRPr lang="zh-CN" altLang="en-US" sz="900">
-              <a:solidFill>
-                <a:schemeClr val="tx1"/>
-              </a:solidFill>
-            </a:endParaRPr>
-          </a:p>
-          <a:p>
-            <a:pPr marL="0" indent="0">
-              <a:buNone/>
-            </a:pPr>
-            <a:r>
-              <a:rPr lang="zh-CN" altLang="en-US" sz="900">
-                <a:solidFill>
-                  <a:schemeClr val="tx1"/>
-                </a:solidFill>
-                <a:sym typeface="+mn-ea"/>
-              </a:rPr>
-              <a:t>            2022 (CLIP)Learning Transferable Visual Models From Natural Language Supervision.pdf</a:t>
-            </a:r>
-            <a:endParaRPr lang="zh-CN" altLang="en-US" sz="900">
-              <a:solidFill>
-                <a:schemeClr val="tx1"/>
-              </a:solidFill>
-            </a:endParaRPr>
-          </a:p>
-          <a:p>
-            <a:pPr marL="0" indent="0">
-              <a:buNone/>
-            </a:pPr>
-            <a:r>
-              <a:rPr lang="zh-CN" altLang="en-US" sz="900">
-                <a:solidFill>
-                  <a:schemeClr val="tx1"/>
-                </a:solidFill>
-                <a:sym typeface="+mn-ea"/>
-              </a:rPr>
-              <a:t>            2022 BatchFormer Learning to Explore Sample Relationships for Robust Representing Learning.pdf</a:t>
-            </a:r>
-            <a:endParaRPr lang="zh-CN" altLang="en-US" sz="900">
-              <a:solidFill>
-                <a:schemeClr val="tx1"/>
-              </a:solidFill>
-            </a:endParaRPr>
-          </a:p>
-          <a:p>
-            <a:pPr marL="0" indent="0">
-              <a:buNone/>
-            </a:pPr>
-            <a:r>
-              <a:rPr lang="zh-CN" altLang="en-US" sz="900">
-                <a:solidFill>
-                  <a:schemeClr val="tx1"/>
-                </a:solidFill>
-                <a:sym typeface="+mn-ea"/>
-              </a:rPr>
-              <a:t>            2022 Generalizing to Unseen Domains A Survey on Domain Generalization.pdf</a:t>
-            </a:r>
-            <a:endParaRPr lang="zh-CN" altLang="en-US" sz="900">
-              <a:solidFill>
-                <a:schemeClr val="tx1"/>
-              </a:solidFill>
-            </a:endParaRPr>
-          </a:p>
-          <a:p>
-            <a:pPr marL="0" indent="0">
-              <a:buNone/>
-            </a:pPr>
-            <a:r>
-              <a:rPr lang="zh-CN" altLang="en-US" sz="900">
-                <a:solidFill>
-                  <a:schemeClr val="tx1"/>
-                </a:solidFill>
-                <a:sym typeface="+mn-ea"/>
-              </a:rPr>
-              <a:t>            2022 Generative Mixup Networks for Zero-Shot Learning.pdf</a:t>
-            </a:r>
-            <a:endParaRPr lang="zh-CN" altLang="en-US" sz="900">
-              <a:solidFill>
-                <a:schemeClr val="tx1"/>
-              </a:solidFill>
-              <a:sym typeface="+mn-ea"/>
-            </a:endParaRPr>
-          </a:p>
-        </p:txBody>
-      </p:sp>
-    </p:spTree>
-    <p:custDataLst>
-      <p:tags r:id="rId1"/>
-    </p:custDataLst>
-  </p:cSld>
-  <p:clrMapOvr>
-    <a:masterClrMapping/>
-  </p:clrMapOvr>
-</p:sld>
-</file>
-
-<file path=ppt/slides/slide19.xml><?xml version="1.0" encoding="utf-8"?>
 <p:sld xmlns:a="http://schemas.openxmlformats.org/drawingml/2006/main" xmlns:r="http://schemas.openxmlformats.org/officeDocument/2006/relationships" xmlns:p="http://schemas.openxmlformats.org/presentationml/2006/main">
   <p:cSld>
     <p:spTree>
@@ -8741,14 +6658,26 @@
         </p:spPr>
         <p:txBody>
           <a:bodyPr>
-            <a:normAutofit fontScale="90000"/>
+            <a:normAutofit/>
           </a:bodyPr>
           <a:p>
             <a:r>
               <a:rPr lang="en-US" altLang="zh-CN"/>
-              <a:t>1.Compared with Compositional Zero-Shot Learning</a:t>
-            </a:r>
-            <a:endParaRPr lang="en-US" altLang="zh-CN"/>
+              <a:t>1</a:t>
+            </a:r>
+            <a:r>
+              <a:rPr lang="zh-CN" altLang="en-US"/>
+              <a:t>关于另一个</a:t>
+            </a:r>
+            <a:r>
+              <a:rPr lang="en-US" altLang="zh-CN"/>
+              <a:t>CZSL</a:t>
+            </a:r>
+            <a:r>
+              <a:rPr lang="zh-CN" altLang="en-US"/>
+              <a:t>任务</a:t>
+            </a:r>
+            <a:endParaRPr lang="zh-CN" altLang="en-US"/>
           </a:p>
         </p:txBody>
       </p:sp>
@@ -8775,7 +6704,7 @@
           <a:p>
             <a:r>
               <a:rPr lang="en-US" altLang="zh-CN"/>
-              <a:t>1. CZSL</a:t>
+              <a:t>1. CZSL(compositional zero-shot learning)</a:t>
             </a:r>
             <a:endParaRPr lang="en-US" altLang="zh-CN"/>
           </a:p>
@@ -8810,7 +6739,7 @@
         </p:nvSpPr>
         <p:spPr>
           <a:xfrm>
-            <a:off x="302260" y="3244850"/>
+            <a:off x="297815" y="3244850"/>
             <a:ext cx="11290935" cy="368300"/>
           </a:xfrm>
           <a:prstGeom prst="rect">
@@ -8840,7 +6769,7 @@
         <p:spPr>
           <a:xfrm>
             <a:off x="336550" y="3875405"/>
-            <a:ext cx="11252200" cy="2030095"/>
+            <a:ext cx="11252200" cy="1476375"/>
           </a:xfrm>
           <a:prstGeom prst="rect">
             <a:avLst/>
@@ -8880,33 +6809,7 @@
             </a:r>
             <a:r>
               <a:rPr lang="zh-CN" altLang="en-US"/>
-              <a:t>视频信息更加难以提取，视频特征也很难精准地和语义对齐，目前的工作还大部分还停留在建模提取信息的阶段（</a:t>
-            </a:r>
-            <a:r>
-              <a:rPr lang="en-US" altLang="zh-CN"/>
-              <a:t>MotionFormer</a:t>
-            </a:r>
-            <a:r>
-              <a:rPr lang="zh-CN" altLang="en-US"/>
-              <a:t>目前做的最好）。</a:t>
-            </a:r>
-            <a:endParaRPr lang="zh-CN" altLang="en-US"/>
-          </a:p>
-          <a:p>
-            <a:endParaRPr lang="zh-CN" altLang="en-US"/>
-          </a:p>
-          <a:p>
-            <a:r>
-              <a:rPr lang="zh-CN" altLang="en-US"/>
-              <a:t>有的方法是可以互相启发的，比如</a:t>
-            </a:r>
-            <a:r>
-              <a:rPr lang="en-US" altLang="zh-CN"/>
-              <a:t>mixup</a:t>
-            </a:r>
-            <a:r>
-              <a:rPr lang="zh-CN" altLang="en-US"/>
-              <a:t>或者语义方法。</a:t>
+              <a:t>视频信息更加难以提取，视频特征也很难精准地和语义对齐，目前的工作还大部分是建模提取信息方式的研究。</a:t>
             </a:r>
             <a:endParaRPr lang="en-US" altLang="zh-CN"/>
           </a:p>
@@ -9707,23 +7610,7 @@
                   <a:schemeClr val="tx1"/>
                 </a:solidFill>
               </a:rPr>
-              <a:t>提取模式的研究（加入时间轴后有大量的信息</a:t>
-            </a:r>
-            <a:r>
-              <a:rPr lang="en-US" altLang="zh-CN">
-                <a:solidFill>
-                  <a:schemeClr val="tx1"/>
-                </a:solidFill>
-              </a:rPr>
-              <a:t>token</a:t>
-            </a:r>
-            <a:r>
-              <a:rPr lang="zh-CN" altLang="en-US">
-                <a:solidFill>
-                  <a:schemeClr val="tx1"/>
-                </a:solidFill>
-              </a:rPr>
-              <a:t>提取方式）。</a:t>
+              <a:t>提取模式的研究（加入时间轴）。</a:t>
             </a:r>
             <a:endParaRPr lang="en-US" altLang="zh-CN">
               <a:solidFill>
@@ -10040,6 +7927,385 @@
             <a:r>
               <a:rPr lang="en-US" altLang="zh-CN"/>
               <a:t>3.1.</a:t>
+            </a:r>
+            <a:r>
+              <a:rPr lang="en-US" altLang="zh-CN">
+                <a:hlinkClick r:id="rId1" action="ppaction://hlinkfile"/>
+              </a:rPr>
+              <a:t>STIN</a:t>
+            </a:r>
+            <a:r>
+              <a:rPr lang="en-US" altLang="zh-CN"/>
+              <a:t>(58.1%)</a:t>
+            </a:r>
+            <a:endParaRPr lang="en-US" altLang="zh-CN"/>
+          </a:p>
+        </p:txBody>
+      </p:sp>
+      <p:sp>
+        <p:nvSpPr>
+          <p:cNvPr id="3" name="内容占位符 2"/>
+          <p:cNvSpPr>
+            <a:spLocks noGrp="1"/>
+          </p:cNvSpPr>
+          <p:nvPr>
+            <p:ph idx="1"/>
+          </p:nvPr>
+        </p:nvSpPr>
+        <p:spPr/>
+        <p:txBody>
+          <a:bodyPr/>
+          <a:p>
+            <a:pPr marL="0" indent="0">
+              <a:buNone/>
+            </a:pPr>
+            <a:r>
+              <a:rPr lang="zh-CN" altLang="en-US" sz="1600">
+                <a:solidFill>
+                  <a:schemeClr val="tx1"/>
+                </a:solidFill>
+              </a:rPr>
+              <a:t>2020 Something-Else Compositional Action Recognition with Spatial-Temporal Interaction Networks</a:t>
+            </a:r>
+            <a:endParaRPr lang="zh-CN" altLang="en-US" sz="1600">
+              <a:solidFill>
+                <a:schemeClr val="tx1"/>
+              </a:solidFill>
+            </a:endParaRPr>
+          </a:p>
+          <a:p>
+            <a:pPr marL="0" indent="0">
+              <a:buNone/>
+            </a:pPr>
+            <a:endParaRPr lang="zh-CN" altLang="en-US" sz="1600">
+              <a:solidFill>
+                <a:schemeClr val="tx1"/>
+              </a:solidFill>
+            </a:endParaRPr>
+          </a:p>
+        </p:txBody>
+      </p:sp>
+      <p:pic>
+        <p:nvPicPr>
+          <p:cNvPr id="4" name="图片 3" descr="]V)_L0U}@CN6~3Y)X%5S`DU"/>
+          <p:cNvPicPr>
+            <a:picLocks noChangeAspect="1"/>
+          </p:cNvPicPr>
+          <p:nvPr/>
+        </p:nvPicPr>
+        <p:blipFill>
+          <a:blip r:embed="rId2"/>
+          <a:stretch>
+            <a:fillRect/>
+          </a:stretch>
+        </p:blipFill>
+        <p:spPr>
+          <a:xfrm>
+            <a:off x="608330" y="1865630"/>
+            <a:ext cx="3810635" cy="4992370"/>
+          </a:xfrm>
+          <a:prstGeom prst="rect">
+            <a:avLst/>
+          </a:prstGeom>
+        </p:spPr>
+      </p:pic>
+      <p:sp>
+        <p:nvSpPr>
+          <p:cNvPr id="8" name="文本框 7"/>
+          <p:cNvSpPr txBox="1"/>
+          <p:nvPr/>
+        </p:nvSpPr>
+        <p:spPr>
+          <a:xfrm>
+            <a:off x="6014085" y="2027555"/>
+            <a:ext cx="3970020" cy="3692525"/>
+          </a:xfrm>
+          <a:prstGeom prst="rect">
+            <a:avLst/>
+          </a:prstGeom>
+          <a:noFill/>
+        </p:spPr>
+        <p:txBody>
+          <a:bodyPr wrap="square" rtlCol="0">
+            <a:spAutoFit/>
+          </a:bodyPr>
+          <a:p>
+            <a:r>
+              <a:rPr lang="en-US" altLang="zh-CN">
+                <a:solidFill>
+                  <a:schemeClr val="tx1"/>
+                </a:solidFill>
+              </a:rPr>
+              <a:t>STIN</a:t>
+            </a:r>
+            <a:r>
+              <a:rPr lang="zh-CN" altLang="en-US">
+                <a:solidFill>
+                  <a:schemeClr val="tx1"/>
+                </a:solidFill>
+              </a:rPr>
+              <a:t>是一个纯</a:t>
+            </a:r>
+            <a:r>
+              <a:rPr lang="en-US" altLang="zh-CN">
+                <a:solidFill>
+                  <a:schemeClr val="tx1"/>
+                </a:solidFill>
+              </a:rPr>
+              <a:t>object stream</a:t>
+            </a:r>
+            <a:r>
+              <a:rPr lang="zh-CN" altLang="en-US">
+                <a:solidFill>
+                  <a:schemeClr val="tx1"/>
+                </a:solidFill>
+              </a:rPr>
+              <a:t>的方法。使用的是先空间再时间的聚合方式。</a:t>
+            </a:r>
+            <a:endParaRPr lang="zh-CN" altLang="en-US">
+              <a:solidFill>
+                <a:schemeClr val="tx1"/>
+              </a:solidFill>
+            </a:endParaRPr>
+          </a:p>
+          <a:p>
+            <a:endParaRPr lang="zh-CN" altLang="en-US">
+              <a:solidFill>
+                <a:schemeClr val="tx1"/>
+              </a:solidFill>
+            </a:endParaRPr>
+          </a:p>
+          <a:p>
+            <a:r>
+              <a:rPr lang="en-US" altLang="zh-CN">
+                <a:solidFill>
+                  <a:schemeClr val="tx1"/>
+                </a:solidFill>
+              </a:rPr>
+              <a:t>1.</a:t>
+            </a:r>
+            <a:r>
+              <a:rPr lang="zh-CN" altLang="en-US">
+                <a:solidFill>
+                  <a:schemeClr val="tx1"/>
+                </a:solidFill>
+              </a:rPr>
+              <a:t>对于每一帧，采用</a:t>
+            </a:r>
+            <a:r>
+              <a:rPr lang="en-US" altLang="zh-CN">
+                <a:solidFill>
+                  <a:schemeClr val="tx1"/>
+                </a:solidFill>
+              </a:rPr>
+              <a:t>object</a:t>
+            </a:r>
+            <a:r>
+              <a:rPr lang="zh-CN" altLang="en-US">
+                <a:solidFill>
+                  <a:schemeClr val="tx1"/>
+                </a:solidFill>
+              </a:rPr>
+              <a:t>进行</a:t>
+            </a:r>
+            <a:r>
+              <a:rPr lang="en-US" altLang="zh-CN">
+                <a:solidFill>
+                  <a:schemeClr val="tx1"/>
+                </a:solidFill>
+              </a:rPr>
+              <a:t>spatial</a:t>
+            </a:r>
+            <a:r>
+              <a:rPr lang="zh-CN" altLang="en-US">
+                <a:solidFill>
+                  <a:schemeClr val="tx1"/>
+                </a:solidFill>
+              </a:rPr>
+              <a:t>信息提取：</a:t>
+            </a:r>
+            <a:endParaRPr lang="zh-CN" altLang="en-US">
+              <a:solidFill>
+                <a:schemeClr val="tx1"/>
+              </a:solidFill>
+            </a:endParaRPr>
+          </a:p>
+          <a:p>
+            <a:r>
+              <a:rPr lang="zh-CN" altLang="en-US">
+                <a:solidFill>
+                  <a:schemeClr val="tx1"/>
+                </a:solidFill>
+              </a:rPr>
+              <a:t>使用这一个物体的特征与其他</a:t>
+            </a:r>
+            <a:r>
+              <a:rPr lang="en-US" altLang="zh-CN">
+                <a:solidFill>
+                  <a:schemeClr val="tx1"/>
+                </a:solidFill>
+              </a:rPr>
+              <a:t>n-1</a:t>
+            </a:r>
+            <a:r>
+              <a:rPr lang="zh-CN" altLang="en-US">
+                <a:solidFill>
+                  <a:schemeClr val="tx1"/>
+                </a:solidFill>
+              </a:rPr>
+              <a:t>个特征的均值进行</a:t>
+            </a:r>
+            <a:r>
+              <a:rPr lang="en-US" altLang="zh-CN">
+                <a:solidFill>
+                  <a:schemeClr val="tx1"/>
+                </a:solidFill>
+              </a:rPr>
+              <a:t>concatenate</a:t>
+            </a:r>
+            <a:r>
+              <a:rPr lang="zh-CN" altLang="en-US">
+                <a:solidFill>
+                  <a:schemeClr val="tx1"/>
+                </a:solidFill>
+              </a:rPr>
+              <a:t>，再进行线性映射。（如</a:t>
+            </a:r>
+            <a:r>
+              <a:rPr lang="en-US" altLang="zh-CN">
+                <a:solidFill>
+                  <a:schemeClr val="tx1"/>
+                </a:solidFill>
+              </a:rPr>
+              <a:t>b</a:t>
+            </a:r>
+            <a:r>
+              <a:rPr lang="zh-CN" altLang="en-US">
+                <a:solidFill>
+                  <a:schemeClr val="tx1"/>
+                </a:solidFill>
+              </a:rPr>
+              <a:t>所示三个物体的情况）</a:t>
+            </a:r>
+            <a:endParaRPr lang="zh-CN" altLang="en-US">
+              <a:solidFill>
+                <a:schemeClr val="tx1"/>
+              </a:solidFill>
+            </a:endParaRPr>
+          </a:p>
+          <a:p>
+            <a:endParaRPr lang="zh-CN" altLang="en-US">
+              <a:solidFill>
+                <a:schemeClr val="tx1"/>
+              </a:solidFill>
+            </a:endParaRPr>
+          </a:p>
+          <a:p>
+            <a:r>
+              <a:rPr lang="en-US" altLang="zh-CN">
+                <a:solidFill>
+                  <a:schemeClr val="tx1"/>
+                </a:solidFill>
+              </a:rPr>
+              <a:t>2.</a:t>
+            </a:r>
+            <a:r>
+              <a:rPr lang="zh-CN" altLang="en-US">
+                <a:solidFill>
+                  <a:schemeClr val="tx1"/>
+                </a:solidFill>
+              </a:rPr>
+              <a:t>对于提取到的特征，进行</a:t>
+            </a:r>
+            <a:r>
+              <a:rPr lang="en-US" altLang="zh-CN">
+                <a:solidFill>
+                  <a:schemeClr val="tx1"/>
+                </a:solidFill>
+              </a:rPr>
+              <a:t>temporal</a:t>
+            </a:r>
+            <a:r>
+              <a:rPr lang="zh-CN" altLang="en-US">
+                <a:solidFill>
+                  <a:schemeClr val="tx1"/>
+                </a:solidFill>
+              </a:rPr>
+              <a:t>的特征提取：</a:t>
+            </a:r>
+            <a:endParaRPr lang="zh-CN" altLang="en-US">
+              <a:solidFill>
+                <a:schemeClr val="tx1"/>
+              </a:solidFill>
+            </a:endParaRPr>
+          </a:p>
+          <a:p>
+            <a:r>
+              <a:rPr lang="zh-CN" altLang="en-US">
+                <a:solidFill>
+                  <a:schemeClr val="tx1"/>
+                </a:solidFill>
+              </a:rPr>
+              <a:t>第一种直接取均值，第二种用</a:t>
+            </a:r>
+            <a:r>
+              <a:rPr lang="en-US" altLang="zh-CN">
+                <a:solidFill>
+                  <a:schemeClr val="tx1"/>
+                </a:solidFill>
+              </a:rPr>
+              <a:t>non-local block</a:t>
+            </a:r>
+            <a:r>
+              <a:rPr lang="zh-CN" altLang="en-US">
+                <a:solidFill>
+                  <a:schemeClr val="tx1"/>
+                </a:solidFill>
+              </a:rPr>
+              <a:t>。</a:t>
+            </a:r>
+            <a:endParaRPr lang="zh-CN" altLang="en-US"/>
+          </a:p>
+        </p:txBody>
+      </p:sp>
+    </p:spTree>
+    <p:custDataLst>
+      <p:tags r:id="rId3"/>
+    </p:custDataLst>
+  </p:cSld>
+  <p:clrMapOvr>
+    <a:masterClrMapping/>
+  </p:clrMapOvr>
+</p:sld>
+</file>
+
+<file path=ppt/slides/slide8.xml><?xml version="1.0" encoding="utf-8"?>
+<p:sld xmlns:a="http://schemas.openxmlformats.org/drawingml/2006/main" xmlns:r="http://schemas.openxmlformats.org/officeDocument/2006/relationships" xmlns:p="http://schemas.openxmlformats.org/presentationml/2006/main">
+  <p:cSld>
+    <p:spTree>
+      <p:nvGrpSpPr>
+        <p:cNvPr id="1" name=""/>
+        <p:cNvGrpSpPr/>
+        <p:nvPr/>
+      </p:nvGrpSpPr>
+      <p:grpSpPr/>
+      <p:sp>
+        <p:nvSpPr>
+          <p:cNvPr id="2" name="标题 1"/>
+          <p:cNvSpPr>
+            <a:spLocks noGrp="1"/>
+          </p:cNvSpPr>
+          <p:nvPr>
+            <p:ph type="title"/>
+          </p:nvPr>
+        </p:nvSpPr>
+        <p:spPr/>
+        <p:txBody>
+          <a:bodyPr/>
+          <a:p>
+            <a:r>
+              <a:rPr lang="en-US" altLang="zh-CN"/>
+              <a:t>3.2.</a:t>
             </a:r>
             <a:r>
               <a:rPr lang="en-US" altLang="zh-CN">
@@ -10308,423 +8574,6 @@
 </p:sld>
 </file>
 
-<file path=ppt/slides/slide8.xml><?xml version="1.0" encoding="utf-8"?>
-<p:sld xmlns:a="http://schemas.openxmlformats.org/drawingml/2006/main" xmlns:r="http://schemas.openxmlformats.org/officeDocument/2006/relationships" xmlns:p="http://schemas.openxmlformats.org/presentationml/2006/main">
-  <p:cSld>
-    <p:spTree>
-      <p:nvGrpSpPr>
-        <p:cNvPr id="1" name=""/>
-        <p:cNvGrpSpPr/>
-        <p:nvPr/>
-      </p:nvGrpSpPr>
-      <p:grpSpPr/>
-      <p:sp>
-        <p:nvSpPr>
-          <p:cNvPr id="2" name="标题 1"/>
-          <p:cNvSpPr>
-            <a:spLocks noGrp="1"/>
-          </p:cNvSpPr>
-          <p:nvPr>
-            <p:ph type="title"/>
-          </p:nvPr>
-        </p:nvSpPr>
-        <p:spPr/>
-        <p:txBody>
-          <a:bodyPr/>
-          <a:p>
-            <a:r>
-              <a:rPr lang="en-US" altLang="zh-CN"/>
-              <a:t>3.2.</a:t>
-            </a:r>
-            <a:r>
-              <a:rPr lang="en-US" altLang="zh-CN">
-                <a:hlinkClick r:id="rId1" action="ppaction://hlinkfile"/>
-              </a:rPr>
-              <a:t>STIN</a:t>
-            </a:r>
-            <a:r>
-              <a:rPr lang="en-US" altLang="zh-CN"/>
-              <a:t>(58.1%)</a:t>
-            </a:r>
-            <a:endParaRPr lang="en-US" altLang="zh-CN"/>
-          </a:p>
-        </p:txBody>
-      </p:sp>
-      <p:sp>
-        <p:nvSpPr>
-          <p:cNvPr id="3" name="内容占位符 2"/>
-          <p:cNvSpPr>
-            <a:spLocks noGrp="1"/>
-          </p:cNvSpPr>
-          <p:nvPr>
-            <p:ph idx="1"/>
-          </p:nvPr>
-        </p:nvSpPr>
-        <p:spPr/>
-        <p:txBody>
-          <a:bodyPr/>
-          <a:p>
-            <a:pPr marL="0" indent="0">
-              <a:buNone/>
-            </a:pPr>
-            <a:r>
-              <a:rPr lang="zh-CN" altLang="en-US" sz="1600">
-                <a:solidFill>
-                  <a:schemeClr val="tx1"/>
-                </a:solidFill>
-              </a:rPr>
-              <a:t>2020 Something-Else Compositional Action Recognition with Spatial-Temporal Interaction Networks</a:t>
-            </a:r>
-            <a:endParaRPr lang="zh-CN" altLang="en-US" sz="1600">
-              <a:solidFill>
-                <a:schemeClr val="tx1"/>
-              </a:solidFill>
-            </a:endParaRPr>
-          </a:p>
-          <a:p>
-            <a:pPr marL="0" indent="0">
-              <a:buNone/>
-            </a:pPr>
-            <a:endParaRPr lang="zh-CN" altLang="en-US" sz="1600">
-              <a:solidFill>
-                <a:schemeClr val="tx1"/>
-              </a:solidFill>
-            </a:endParaRPr>
-          </a:p>
-        </p:txBody>
-      </p:sp>
-      <p:pic>
-        <p:nvPicPr>
-          <p:cNvPr id="4" name="图片 3" descr="]V)_L0U}@CN6~3Y)X%5S`DU"/>
-          <p:cNvPicPr>
-            <a:picLocks noChangeAspect="1"/>
-          </p:cNvPicPr>
-          <p:nvPr/>
-        </p:nvPicPr>
-        <p:blipFill>
-          <a:blip r:embed="rId2"/>
-          <a:stretch>
-            <a:fillRect/>
-          </a:stretch>
-        </p:blipFill>
-        <p:spPr>
-          <a:xfrm>
-            <a:off x="608330" y="1865630"/>
-            <a:ext cx="3810635" cy="4992370"/>
-          </a:xfrm>
-          <a:prstGeom prst="rect">
-            <a:avLst/>
-          </a:prstGeom>
-        </p:spPr>
-      </p:pic>
-      <p:sp>
-        <p:nvSpPr>
-          <p:cNvPr id="8" name="文本框 7"/>
-          <p:cNvSpPr txBox="1"/>
-          <p:nvPr/>
-        </p:nvSpPr>
-        <p:spPr>
-          <a:xfrm>
-            <a:off x="6014085" y="2027555"/>
-            <a:ext cx="3970020" cy="4799965"/>
-          </a:xfrm>
-          <a:prstGeom prst="rect">
-            <a:avLst/>
-          </a:prstGeom>
-          <a:noFill/>
-        </p:spPr>
-        <p:txBody>
-          <a:bodyPr wrap="square" rtlCol="0">
-            <a:spAutoFit/>
-          </a:bodyPr>
-          <a:p>
-            <a:r>
-              <a:rPr lang="en-US" altLang="zh-CN">
-                <a:solidFill>
-                  <a:schemeClr val="tx1"/>
-                </a:solidFill>
-              </a:rPr>
-              <a:t>STIN</a:t>
-            </a:r>
-            <a:r>
-              <a:rPr lang="zh-CN" altLang="en-US">
-                <a:solidFill>
-                  <a:schemeClr val="tx1"/>
-                </a:solidFill>
-              </a:rPr>
-              <a:t>是一个纯</a:t>
-            </a:r>
-            <a:r>
-              <a:rPr lang="en-US" altLang="zh-CN">
-                <a:solidFill>
-                  <a:schemeClr val="tx1"/>
-                </a:solidFill>
-              </a:rPr>
-              <a:t>object stream</a:t>
-            </a:r>
-            <a:r>
-              <a:rPr lang="zh-CN" altLang="en-US">
-                <a:solidFill>
-                  <a:schemeClr val="tx1"/>
-                </a:solidFill>
-              </a:rPr>
-              <a:t>的方法。使用的是先空间再时间的聚合方式。</a:t>
-            </a:r>
-            <a:endParaRPr lang="zh-CN" altLang="en-US">
-              <a:solidFill>
-                <a:schemeClr val="tx1"/>
-              </a:solidFill>
-            </a:endParaRPr>
-          </a:p>
-          <a:p>
-            <a:endParaRPr lang="zh-CN" altLang="en-US">
-              <a:solidFill>
-                <a:schemeClr val="tx1"/>
-              </a:solidFill>
-            </a:endParaRPr>
-          </a:p>
-          <a:p>
-            <a:r>
-              <a:rPr lang="en-US" altLang="zh-CN">
-                <a:solidFill>
-                  <a:schemeClr val="tx1"/>
-                </a:solidFill>
-              </a:rPr>
-              <a:t>1.</a:t>
-            </a:r>
-            <a:r>
-              <a:rPr lang="zh-CN" altLang="en-US">
-                <a:solidFill>
-                  <a:schemeClr val="tx1"/>
-                </a:solidFill>
-              </a:rPr>
-              <a:t>对于每一帧，采用</a:t>
-            </a:r>
-            <a:r>
-              <a:rPr lang="en-US" altLang="zh-CN">
-                <a:solidFill>
-                  <a:schemeClr val="tx1"/>
-                </a:solidFill>
-              </a:rPr>
-              <a:t>object</a:t>
-            </a:r>
-            <a:r>
-              <a:rPr lang="zh-CN" altLang="en-US">
-                <a:solidFill>
-                  <a:schemeClr val="tx1"/>
-                </a:solidFill>
-              </a:rPr>
-              <a:t>进行</a:t>
-            </a:r>
-            <a:r>
-              <a:rPr lang="en-US" altLang="zh-CN">
-                <a:solidFill>
-                  <a:schemeClr val="tx1"/>
-                </a:solidFill>
-              </a:rPr>
-              <a:t>spatial</a:t>
-            </a:r>
-            <a:r>
-              <a:rPr lang="zh-CN" altLang="en-US">
-                <a:solidFill>
-                  <a:schemeClr val="tx1"/>
-                </a:solidFill>
-              </a:rPr>
-              <a:t>信息提取：</a:t>
-            </a:r>
-            <a:endParaRPr lang="zh-CN" altLang="en-US">
-              <a:solidFill>
-                <a:schemeClr val="tx1"/>
-              </a:solidFill>
-            </a:endParaRPr>
-          </a:p>
-          <a:p>
-            <a:r>
-              <a:rPr lang="zh-CN" altLang="en-US">
-                <a:solidFill>
-                  <a:schemeClr val="tx1"/>
-                </a:solidFill>
-              </a:rPr>
-              <a:t>使用这一个物体的特征与其他</a:t>
-            </a:r>
-            <a:r>
-              <a:rPr lang="en-US" altLang="zh-CN">
-                <a:solidFill>
-                  <a:schemeClr val="tx1"/>
-                </a:solidFill>
-              </a:rPr>
-              <a:t>n-1</a:t>
-            </a:r>
-            <a:r>
-              <a:rPr lang="zh-CN" altLang="en-US">
-                <a:solidFill>
-                  <a:schemeClr val="tx1"/>
-                </a:solidFill>
-              </a:rPr>
-              <a:t>个特征的均值进行</a:t>
-            </a:r>
-            <a:r>
-              <a:rPr lang="en-US" altLang="zh-CN">
-                <a:solidFill>
-                  <a:schemeClr val="tx1"/>
-                </a:solidFill>
-              </a:rPr>
-              <a:t>concatenate</a:t>
-            </a:r>
-            <a:r>
-              <a:rPr lang="zh-CN" altLang="en-US">
-                <a:solidFill>
-                  <a:schemeClr val="tx1"/>
-                </a:solidFill>
-              </a:rPr>
-              <a:t>，再进行线性映射。（如</a:t>
-            </a:r>
-            <a:r>
-              <a:rPr lang="en-US" altLang="zh-CN">
-                <a:solidFill>
-                  <a:schemeClr val="tx1"/>
-                </a:solidFill>
-              </a:rPr>
-              <a:t>b</a:t>
-            </a:r>
-            <a:r>
-              <a:rPr lang="zh-CN" altLang="en-US">
-                <a:solidFill>
-                  <a:schemeClr val="tx1"/>
-                </a:solidFill>
-              </a:rPr>
-              <a:t>所示三个物体的情况）</a:t>
-            </a:r>
-            <a:endParaRPr lang="zh-CN" altLang="en-US">
-              <a:solidFill>
-                <a:schemeClr val="tx1"/>
-              </a:solidFill>
-            </a:endParaRPr>
-          </a:p>
-          <a:p>
-            <a:endParaRPr lang="zh-CN" altLang="en-US">
-              <a:solidFill>
-                <a:schemeClr val="tx1"/>
-              </a:solidFill>
-            </a:endParaRPr>
-          </a:p>
-          <a:p>
-            <a:r>
-              <a:rPr lang="en-US" altLang="zh-CN">
-                <a:solidFill>
-                  <a:schemeClr val="tx1"/>
-                </a:solidFill>
-              </a:rPr>
-              <a:t>2.</a:t>
-            </a:r>
-            <a:r>
-              <a:rPr lang="zh-CN" altLang="en-US">
-                <a:solidFill>
-                  <a:schemeClr val="tx1"/>
-                </a:solidFill>
-              </a:rPr>
-              <a:t>对于提取到的特征，进行</a:t>
-            </a:r>
-            <a:r>
-              <a:rPr lang="en-US" altLang="zh-CN">
-                <a:solidFill>
-                  <a:schemeClr val="tx1"/>
-                </a:solidFill>
-              </a:rPr>
-              <a:t>temporal</a:t>
-            </a:r>
-            <a:r>
-              <a:rPr lang="zh-CN" altLang="en-US">
-                <a:solidFill>
-                  <a:schemeClr val="tx1"/>
-                </a:solidFill>
-              </a:rPr>
-              <a:t>的特征提取：</a:t>
-            </a:r>
-            <a:endParaRPr lang="zh-CN" altLang="en-US">
-              <a:solidFill>
-                <a:schemeClr val="tx1"/>
-              </a:solidFill>
-            </a:endParaRPr>
-          </a:p>
-          <a:p>
-            <a:r>
-              <a:rPr lang="zh-CN" altLang="en-US">
-                <a:solidFill>
-                  <a:schemeClr val="tx1"/>
-                </a:solidFill>
-              </a:rPr>
-              <a:t>第一种直接取均值，第二种用</a:t>
-            </a:r>
-            <a:r>
-              <a:rPr lang="en-US" altLang="zh-CN">
-                <a:solidFill>
-                  <a:schemeClr val="tx1"/>
-                </a:solidFill>
-              </a:rPr>
-              <a:t>non-local block</a:t>
-            </a:r>
-            <a:r>
-              <a:rPr lang="zh-CN" altLang="en-US">
-                <a:solidFill>
-                  <a:schemeClr val="tx1"/>
-                </a:solidFill>
-              </a:rPr>
-              <a:t>。</a:t>
-            </a:r>
-            <a:endParaRPr lang="zh-CN" altLang="en-US">
-              <a:solidFill>
-                <a:schemeClr val="tx1"/>
-              </a:solidFill>
-            </a:endParaRPr>
-          </a:p>
-          <a:p>
-            <a:endParaRPr lang="zh-CN" altLang="en-US">
-              <a:solidFill>
-                <a:schemeClr val="tx1"/>
-              </a:solidFill>
-            </a:endParaRPr>
-          </a:p>
-          <a:p>
-            <a:r>
-              <a:rPr lang="zh-CN" altLang="en-US">
-                <a:solidFill>
-                  <a:schemeClr val="tx1"/>
-                </a:solidFill>
-              </a:rPr>
-              <a:t>（这个建模方法感觉太主观了，很多设计完全是为了结构设计而结构设计根本不合理，不过只是作为</a:t>
-            </a:r>
-            <a:r>
-              <a:rPr lang="en-US" altLang="zh-CN">
-                <a:solidFill>
-                  <a:schemeClr val="tx1"/>
-                </a:solidFill>
-              </a:rPr>
-              <a:t>baseline</a:t>
-            </a:r>
-            <a:r>
-              <a:rPr lang="zh-CN" altLang="en-US">
-                <a:solidFill>
-                  <a:schemeClr val="tx1"/>
-                </a:solidFill>
-              </a:rPr>
-              <a:t>）</a:t>
-            </a:r>
-            <a:endParaRPr lang="zh-CN" altLang="en-US"/>
-          </a:p>
-        </p:txBody>
-      </p:sp>
-    </p:spTree>
-    <p:custDataLst>
-      <p:tags r:id="rId3"/>
-    </p:custDataLst>
-  </p:cSld>
-  <p:clrMapOvr>
-    <a:masterClrMapping/>
-  </p:clrMapOvr>
-</p:sld>
-</file>
-
 <file path=ppt/slides/slide9.xml><?xml version="1.0" encoding="utf-8"?>
 <p:sld xmlns:a="http://schemas.openxmlformats.org/drawingml/2006/main" xmlns:r="http://schemas.openxmlformats.org/officeDocument/2006/relationships" xmlns:p="http://schemas.openxmlformats.org/presentationml/2006/main">
   <p:cSld>
@@ -10768,6 +8617,7 @@
               <a:t>(60.2%)</a:t>
             </a:r>
             <a:endParaRPr lang="zh-CN" altLang="en-US">
+              <a:sym typeface="+mn-ea"/>
               <a:hlinkClick r:id="rId1" action="ppaction://hlinkfile"/>
             </a:endParaRPr>
           </a:p>
@@ -10847,7 +8697,7 @@
         <p:spPr>
           <a:xfrm>
             <a:off x="8033385" y="2010410"/>
-            <a:ext cx="3575050" cy="3692525"/>
+            <a:ext cx="3575050" cy="2861310"/>
           </a:xfrm>
           <a:prstGeom prst="rect">
             <a:avLst/>
@@ -10922,16 +8772,6 @@
             <a:r>
               <a:rPr lang="zh-CN" altLang="en-US"/>
               <a:t>的视频理解框架。</a:t>
-            </a:r>
-            <a:endParaRPr lang="zh-CN" altLang="en-US"/>
-          </a:p>
-          <a:p>
-            <a:endParaRPr lang="zh-CN" altLang="en-US"/>
-          </a:p>
-          <a:p>
-            <a:r>
-              <a:rPr lang="zh-CN" altLang="en-US"/>
-              <a:t>这一篇复杂的数学理论其实我还没完全搞懂。</a:t>
             </a:r>
             <a:endParaRPr lang="zh-CN" altLang="en-US"/>
           </a:p>
@@ -11906,9 +9746,7 @@
 
 <file path=ppt/tags/tag79.xml><?xml version="1.0" encoding="utf-8"?>
 <p:tagLst xmlns:p="http://schemas.openxmlformats.org/presentationml/2006/main">
-  <p:tag name="KSO_WM_BEAUTIFY_FLAG" val="#wm#"/>
-  <p:tag name="KSO_WM_TEMPLATE_CATEGORY" val="custom"/>
-  <p:tag name="KSO_WM_TEMPLATE_INDEX" val="20205081"/>
+  <p:tag name="COMMONDATA" val="eyJoZGlkIjoiMjMwNjYxNWE0ZDczM2UzMmExMjIwODJiMWY1NjQ3MTEifQ=="/>
 </p:tagLst>
 </file>
 
@@ -11922,44 +9760,6 @@
   <p:tag name="KSO_WM_UNIT_LAYERLEVEL" val="1"/>
   <p:tag name="KSO_WM_TAG_VERSION" val="1.0"/>
   <p:tag name="KSO_WM_BEAUTIFY_FLAG" val="#wm#"/>
-</p:tagLst>
-</file>
-
-<file path=ppt/tags/tag80.xml><?xml version="1.0" encoding="utf-8"?>
-<p:tagLst xmlns:p="http://schemas.openxmlformats.org/presentationml/2006/main">
-  <p:tag name="KSO_WM_BEAUTIFY_FLAG" val="#wm#"/>
-  <p:tag name="KSO_WM_TEMPLATE_CATEGORY" val="custom"/>
-  <p:tag name="KSO_WM_TEMPLATE_INDEX" val="20205081"/>
-</p:tagLst>
-</file>
-
-<file path=ppt/tags/tag81.xml><?xml version="1.0" encoding="utf-8"?>
-<p:tagLst xmlns:p="http://schemas.openxmlformats.org/presentationml/2006/main">
-  <p:tag name="KSO_WM_BEAUTIFY_FLAG" val="#wm#"/>
-  <p:tag name="KSO_WM_TEMPLATE_CATEGORY" val="custom"/>
-  <p:tag name="KSO_WM_TEMPLATE_INDEX" val="20205081"/>
-</p:tagLst>
-</file>
-
-<file path=ppt/tags/tag82.xml><?xml version="1.0" encoding="utf-8"?>
-<p:tagLst xmlns:p="http://schemas.openxmlformats.org/presentationml/2006/main">
-  <p:tag name="KSO_WM_BEAUTIFY_FLAG" val="#wm#"/>
-  <p:tag name="KSO_WM_TEMPLATE_CATEGORY" val="custom"/>
-  <p:tag name="KSO_WM_TEMPLATE_INDEX" val="20205081"/>
-</p:tagLst>
-</file>
-
-<file path=ppt/tags/tag83.xml><?xml version="1.0" encoding="utf-8"?>
-<p:tagLst xmlns:p="http://schemas.openxmlformats.org/presentationml/2006/main">
-  <p:tag name="KSO_WM_BEAUTIFY_FLAG" val="#wm#"/>
-  <p:tag name="KSO_WM_TEMPLATE_CATEGORY" val="custom"/>
-  <p:tag name="KSO_WM_TEMPLATE_INDEX" val="20205081"/>
-</p:tagLst>
-</file>
-
-<file path=ppt/tags/tag84.xml><?xml version="1.0" encoding="utf-8"?>
-<p:tagLst xmlns:p="http://schemas.openxmlformats.org/presentationml/2006/main">
-  <p:tag name="COMMONDATA" val="eyJoZGlkIjoiMjMwNjYxNWE0ZDczM2UzMmExMjIwODJiMWY1NjQ3MTEifQ=="/>
 </p:tagLst>
 </file>
 

--- a/compositional action recognition survey.pptx
+++ b/compositional action recognition survey.pptx
@@ -5414,7 +5414,23 @@
                   <a:schemeClr val="tx1"/>
                 </a:solidFill>
               </a:rPr>
-              <a:t>原本计划讲这篇的，结果因为时间问题，还没有读完：用自监督方法对于视频进行预训练。</a:t>
+              <a:t>采用不同的采样策略对于视频进行数据增强，然后进行</a:t>
+            </a:r>
+            <a:r>
+              <a:rPr lang="en-US" altLang="zh-CN" sz="900">
+                <a:solidFill>
+                  <a:schemeClr val="tx1"/>
+                </a:solidFill>
+              </a:rPr>
+              <a:t>infoNCE</a:t>
+            </a:r>
+            <a:r>
+              <a:rPr lang="zh-CN" altLang="en-US" sz="900">
+                <a:solidFill>
+                  <a:schemeClr val="tx1"/>
+                </a:solidFill>
+              </a:rPr>
+              <a:t>的对比学习。主要论证了三种采样方式的效果。</a:t>
             </a:r>
             <a:endParaRPr lang="zh-CN" altLang="en-US" sz="900">
               <a:solidFill>
@@ -5449,7 +5465,7 @@
                 <a:solidFill>
                   <a:schemeClr val="tx1"/>
                 </a:solidFill>
-                <a:hlinkClick r:id="rId6" tooltip="" action="ppaction://hlinkfile"/>
+                <a:hlinkClick r:id="rId6" action="ppaction://hlinkfile"/>
               </a:rPr>
               <a:t>MViT</a:t>
             </a:r>
@@ -5479,7 +5495,7 @@
               </a:rPr>
               <a:t>效果做的最好的几篇之一，重要的比较网络。还没读。</a:t>
             </a:r>
-            <a:endParaRPr lang="zh-CN" altLang="en-US" sz="900">
+            <a:endParaRPr lang="en-US" altLang="zh-CN" sz="900">
               <a:solidFill>
                 <a:schemeClr val="tx1"/>
               </a:solidFill>
@@ -5985,7 +6001,7 @@
                   <a:schemeClr val="tx1"/>
                 </a:solidFill>
               </a:rPr>
-              <a:t>生成式：通过一定的方法进行数据增强，使用不同的生成式方法来构造目标域中可能的组合。如</a:t>
+              <a:t>生成：通过一定的方法进行数据增强，使用不同的生成式方法来构造目标域中可能的组合。如</a:t>
             </a:r>
             <a:r>
               <a:rPr lang="en-US" altLang="zh-CN">
@@ -6027,7 +6043,7 @@
                   <a:schemeClr val="tx1"/>
                 </a:solidFill>
               </a:rPr>
-              <a:t>语义推理式：通过语义推理来从源域向目标域进行拓展。如</a:t>
+              <a:t>语义推理：通过语义推理来从源域向目标域进行拓展。如</a:t>
             </a:r>
             <a:r>
               <a:rPr lang="en-US" altLang="zh-CN">
@@ -6077,7 +6093,7 @@
                   <a:schemeClr val="tx1"/>
                 </a:solidFill>
               </a:rPr>
-              <a:t>度量学习式：通过在源域中针对度量方法进行学习，具备更好的泛化性。如</a:t>
+              <a:t>度量学习：通过在源域中针对度量方法进行学习，具备更好的泛化性。如</a:t>
             </a:r>
             <a:r>
               <a:rPr lang="en-US" altLang="zh-CN">
@@ -6119,7 +6135,7 @@
                   <a:schemeClr val="tx1"/>
                 </a:solidFill>
               </a:rPr>
-              <a:t>结构去偏式：通过主观设计的结构进行</a:t>
+              <a:t>结构去偏：通过主观设计的结构进行</a:t>
             </a:r>
             <a:r>
               <a:rPr lang="en-US" altLang="zh-CN">
@@ -6177,7 +6193,7 @@
                   <a:schemeClr val="tx1"/>
                 </a:solidFill>
               </a:rPr>
-              <a:t>对比学习去偏式（目前的工作方向）：通过对比学习去除</a:t>
+              <a:t>对比学习去偏（目前的工作方向）：通过对比学习去除</a:t>
             </a:r>
             <a:r>
               <a:rPr lang="en-US" altLang="zh-CN">
